--- a/Presentazione 29.04.24.pptx
+++ b/Presentazione 29.04.24.pptx
@@ -5,44 +5,45 @@
     <p:sldMasterId id="2147483648" r:id="rId1"/>
   </p:sldMasterIdLst>
   <p:notesMasterIdLst>
-    <p:notesMasterId r:id="rId15"/>
+    <p:notesMasterId r:id="rId16"/>
   </p:notesMasterIdLst>
   <p:handoutMasterIdLst>
-    <p:handoutMasterId r:id="rId16"/>
+    <p:handoutMasterId r:id="rId17"/>
   </p:handoutMasterIdLst>
   <p:sldIdLst>
     <p:sldId id="256" r:id="rId2"/>
     <p:sldId id="258" r:id="rId3"/>
     <p:sldId id="263" r:id="rId4"/>
-    <p:sldId id="257" r:id="rId5"/>
-    <p:sldId id="265" r:id="rId6"/>
-    <p:sldId id="266" r:id="rId7"/>
-    <p:sldId id="264" r:id="rId8"/>
-    <p:sldId id="261" r:id="rId9"/>
-    <p:sldId id="267" r:id="rId10"/>
-    <p:sldId id="268" r:id="rId11"/>
-    <p:sldId id="269" r:id="rId12"/>
-    <p:sldId id="270" r:id="rId13"/>
-    <p:sldId id="271" r:id="rId14"/>
+    <p:sldId id="272" r:id="rId5"/>
+    <p:sldId id="257" r:id="rId6"/>
+    <p:sldId id="265" r:id="rId7"/>
+    <p:sldId id="266" r:id="rId8"/>
+    <p:sldId id="264" r:id="rId9"/>
+    <p:sldId id="261" r:id="rId10"/>
+    <p:sldId id="267" r:id="rId11"/>
+    <p:sldId id="268" r:id="rId12"/>
+    <p:sldId id="269" r:id="rId13"/>
+    <p:sldId id="270" r:id="rId14"/>
+    <p:sldId id="271" r:id="rId15"/>
   </p:sldIdLst>
   <p:sldSz cx="18288000" cy="10287000"/>
   <p:notesSz cx="6858000" cy="9144000"/>
   <p:embeddedFontLst>
     <p:embeddedFont>
       <p:font typeface="Arial Black" panose="020B0A04020102020204" pitchFamily="34" charset="0"/>
-      <p:bold r:id="rId17"/>
+      <p:bold r:id="rId18"/>
     </p:embeddedFont>
     <p:embeddedFont>
       <p:font typeface="Arimo" panose="020B0604020202020204" charset="0"/>
-      <p:regular r:id="rId18"/>
+      <p:regular r:id="rId19"/>
     </p:embeddedFont>
     <p:embeddedFont>
       <p:font typeface="Montserrat Classic" panose="020B0604020202020204" charset="0"/>
-      <p:regular r:id="rId19"/>
+      <p:regular r:id="rId20"/>
     </p:embeddedFont>
     <p:embeddedFont>
       <p:font typeface="Montserrat Classic Bold" panose="020B0604020202020204" charset="0"/>
-      <p:regular r:id="rId20"/>
+      <p:regular r:id="rId21"/>
     </p:embeddedFont>
   </p:embeddedFontLst>
   <p:defaultTextStyle>
@@ -253,7 +254,7 @@
           <a:p>
             <a:fld id="{2317D56F-68D5-48EE-A1D7-43390255C654}" type="datetimeFigureOut">
               <a:rPr lang="it-IT" smtClean="0"/>
-              <a:t>27/04/2024</a:t>
+              <a:t>29/04/2024</a:t>
             </a:fld>
             <a:endParaRPr lang="it-IT"/>
           </a:p>
@@ -331,7 +332,7 @@
           <a:p>
             <a:fld id="{FF792610-3BE3-40BB-930E-00867AFABAB5}" type="slidenum">
               <a:rPr lang="it-IT" smtClean="0"/>
-              <a:t>‹N›</a:t>
+              <a:t>‹#›</a:t>
             </a:fld>
             <a:endParaRPr lang="it-IT"/>
           </a:p>
@@ -347,6 +348,60 @@
   <p:clrMap bg1="lt1" tx1="dk1" bg2="lt2" tx2="dk2" accent1="accent1" accent2="accent2" accent3="accent3" accent4="accent4" accent5="accent5" accent6="accent6" hlink="hlink" folHlink="folHlink"/>
   <p:hf hdr="0" ftr="0" dt="0"/>
 </p:handoutMaster>
+</file>
+
+<file path=ppt/ink/ink1.xml><?xml version="1.0" encoding="utf-8"?>
+<inkml:ink xmlns:inkml="http://www.w3.org/2003/InkML">
+  <inkml:definitions>
+    <inkml:context xml:id="ctx0">
+      <inkml:inkSource xml:id="inkSrc0">
+        <inkml:traceFormat>
+          <inkml:channel name="X" type="integer" min="-2.14748E9" max="2.14748E9" units="cm"/>
+          <inkml:channel name="Y" type="integer" min="-2.14748E9" max="2.14748E9" units="cm"/>
+          <inkml:channel name="F" type="integer" max="32767" units="dev"/>
+        </inkml:traceFormat>
+        <inkml:channelProperties>
+          <inkml:channelProperty channel="X" name="resolution" value="1000" units="1/cm"/>
+          <inkml:channelProperty channel="Y" name="resolution" value="1000" units="1/cm"/>
+          <inkml:channelProperty channel="F" name="resolution" value="0" units="1/dev"/>
+        </inkml:channelProperties>
+      </inkml:inkSource>
+      <inkml:timestamp xml:id="ts0" timeString="2024-04-29T12:28:36.981"/>
+    </inkml:context>
+    <inkml:brush xml:id="br0">
+      <inkml:brushProperty name="width" value="0.35" units="cm"/>
+      <inkml:brushProperty name="height" value="0.35" units="cm"/>
+    </inkml:brush>
+  </inkml:definitions>
+  <inkml:trace contextRef="#ctx0" brushRef="#br0">1567 381 24575,'-27'-16'0,"1"0"0,-30-25 0,-27-17 0,71 51 0,0 0 0,0 2 0,-1-1 0,1 2 0,-22-6 0,-53-2 0,10 2 0,7-2 0,-11-2 0,-128-39 0,142 24 0,49 20 0,0 1 0,-1 1 0,-31-8 0,-97-1 0,42 6 0,3 0-682,-128 4-1</inkml:trace>
+</inkml:ink>
+</file>
+
+<file path=ppt/ink/ink2.xml><?xml version="1.0" encoding="utf-8"?>
+<inkml:ink xmlns:inkml="http://www.w3.org/2003/InkML">
+  <inkml:definitions>
+    <inkml:context xml:id="ctx0">
+      <inkml:inkSource xml:id="inkSrc0">
+        <inkml:traceFormat>
+          <inkml:channel name="X" type="integer" min="-2.14748E9" max="2.14748E9" units="cm"/>
+          <inkml:channel name="Y" type="integer" min="-2.14748E9" max="2.14748E9" units="cm"/>
+          <inkml:channel name="F" type="integer" max="32767" units="dev"/>
+        </inkml:traceFormat>
+        <inkml:channelProperties>
+          <inkml:channelProperty channel="X" name="resolution" value="1000" units="1/cm"/>
+          <inkml:channelProperty channel="Y" name="resolution" value="1000" units="1/cm"/>
+          <inkml:channelProperty channel="F" name="resolution" value="0" units="1/dev"/>
+        </inkml:channelProperties>
+      </inkml:inkSource>
+      <inkml:timestamp xml:id="ts0" timeString="2024-04-29T12:28:40.357"/>
+    </inkml:context>
+    <inkml:brush xml:id="br0">
+      <inkml:brushProperty name="width" value="0.35" units="cm"/>
+      <inkml:brushProperty name="height" value="0.35" units="cm"/>
+    </inkml:brush>
+  </inkml:definitions>
+  <inkml:trace contextRef="#ctx0" brushRef="#br0">32 213 24575,'41'2'0,"0"2"0,78 18 0,-78-14 0,189 49 0,-117-27 0,136 19 0,-177-44 0,89-4 0,-151-1 0,19-2 0,-29 2 0,0 0 0,0 0 0,0 0 0,-1 0 0,1 0 0,0 0 0,0-1 0,0 1 0,0 0 0,0 0 0,0 0 0,-1 0 0,1 0 0,0 0 0,0 0 0,0-1 0,0 1 0,0 0 0,0 0 0,0 0 0,0 0 0,0 0 0,0-1 0,0 1 0,0 0 0,0 0 0,0 0 0,0 0 0,0 0 0,0-1 0,0 1 0,0 0 0,0 0 0,0 0 0,0 0 0,0 0 0,0-1 0,0 1 0,0 0 0,0 0 0,0 0 0,0 0 0,1 0 0,-1 0 0,0-1 0,0 1 0,0 0 0,0 0 0,0 0 0,0 0 0,0 0 0,1 0 0,-1 0 0,-19-6 0,-1 2 0,-41-7 0,1-3 0,-85-31 0,-179-89 0,273 118 0,-1 1 0,0 3 0,-60-5 0,48 7 0,-87-24 0,127 25 0,24 9 0,0 0 0,0 0 0,0 0 0,0 0 0,0 0 0,-1-1 0,1 1 0,0 0 0,0 0 0,0 0 0,0 0 0,0 0 0,0 0 0,0 0 0,-1-1 0,1 1 0,0 0 0,0 0 0,0 0 0,0 0 0,0 0 0,0-1 0,0 1 0,0 0 0,0 0 0,0 0 0,0 0 0,0-1 0,0 1 0,0 0 0,0 0 0,0 0 0,0 0 0,0-1 0,0 1 0,0 0 0,0 0 0,0 0 0,0 0 0,0 0 0,1-1 0,-1 1 0,0 0 0,0 0 0,0 0 0,0 0 0,0 0 0,0 0 0,0-1 0,1 1 0,-1 0 0,0 0 0,0 0 0,0 0 0,0 0 0,0 0 0,1 0 0,-1 0 0,0 0 0,0 0 0,0 0 0,0 0 0,0 0 0,1 0 0,-1 0 0,0 0 0,0 0 0,0 0 0,1 0 0,12-2 0,1 1 0,0 0 0,0 1 0,-1 1 0,28 4 0,-10-2 0,74 9 0,-1 4 0,168 49 0,-130-20 0,235 71 0,-346-108 0,2-2 0,-1-1 0,44 1 0,100-7 0,-84-2 0,686 3 0,-768 0 0,1 0 0,-1-1 0,1 0 0,-1-1 0,1 0 0,-1-1 0,0 0 0,16-7 0,-21 8 0,0-1 0,0 0 0,0-1 0,-1 1 0,0-1 0,1 0 0,-1 0 0,-1 0 0,1-1 0,-1 1 0,1-1 0,-1 0 0,-1 0 0,1 0 0,-1 0 0,0 0 0,3-10 0,-3 9 0,0 0 0,-1-1 0,0 1 0,0 0 0,0-1 0,-1 1 0,0-1 0,0 1 0,-1 0 0,1-1 0,-1 1 0,-1-1 0,1 1 0,-1 0 0,0 0 0,-1 0 0,1 0 0,-1 0 0,-1 1 0,1-1 0,-1 1 0,1 0 0,-2 0 0,1 0 0,0 1 0,-1-1 0,0 1 0,0 0 0,0 0 0,-8-3 0,1 0 0,-1 1 0,0 0 0,0 1 0,0 1 0,0 0 0,0 1 0,-1 1 0,-23-3 0,-12 4 0,-55 4 0,34 0 0,-70 11 0,26-1 0,-206-9 80,198-5-1525</inkml:trace>
+</inkml:ink>
 </file>
 
 <file path=ppt/notesMasters/notesMaster1.xml><?xml version="1.0" encoding="utf-8"?>
@@ -431,7 +486,7 @@
           <a:p>
             <a:fld id="{FBA6340F-5DA4-4D52-9A6F-654C93F4A91D}" type="datetimeFigureOut">
               <a:rPr lang="it-IT" smtClean="0"/>
-              <a:t>27/04/2024</a:t>
+              <a:t>29/04/2024</a:t>
             </a:fld>
             <a:endParaRPr lang="it-IT"/>
           </a:p>
@@ -589,7 +644,7 @@
           <a:p>
             <a:fld id="{706AC765-ED13-40B6-BC48-CD5D505C2FF3}" type="slidenum">
               <a:rPr lang="it-IT" smtClean="0"/>
-              <a:t>‹N›</a:t>
+              <a:t>‹#›</a:t>
             </a:fld>
             <a:endParaRPr lang="it-IT"/>
           </a:p>
@@ -699,6 +754,181 @@
 </p:notesMaster>
 </file>
 
+<file path=ppt/notesSlides/notesSlide1.xml><?xml version="1.0" encoding="utf-8"?>
+<p:notes xmlns:a="http://schemas.openxmlformats.org/drawingml/2006/main" xmlns:r="http://schemas.openxmlformats.org/officeDocument/2006/relationships" xmlns:p="http://schemas.openxmlformats.org/presentationml/2006/main">
+  <p:cSld>
+    <p:spTree>
+      <p:nvGrpSpPr>
+        <p:cNvPr id="1" name=""/>
+        <p:cNvGrpSpPr/>
+        <p:nvPr/>
+      </p:nvGrpSpPr>
+      <p:grpSpPr>
+        <a:xfrm>
+          <a:off x="0" y="0"/>
+          <a:ext cx="0" cy="0"/>
+          <a:chOff x="0" y="0"/>
+          <a:chExt cx="0" cy="0"/>
+        </a:xfrm>
+      </p:grpSpPr>
+      <p:sp>
+        <p:nvSpPr>
+          <p:cNvPr id="2" name="Slide Image Placeholder 1"/>
+          <p:cNvSpPr>
+            <a:spLocks noGrp="1" noRot="1" noChangeAspect="1"/>
+          </p:cNvSpPr>
+          <p:nvPr>
+            <p:ph type="sldImg"/>
+          </p:nvPr>
+        </p:nvSpPr>
+        <p:spPr/>
+      </p:sp>
+      <p:sp>
+        <p:nvSpPr>
+          <p:cNvPr id="3" name="Notes Placeholder 2"/>
+          <p:cNvSpPr>
+            <a:spLocks noGrp="1"/>
+          </p:cNvSpPr>
+          <p:nvPr>
+            <p:ph type="body" idx="1"/>
+          </p:nvPr>
+        </p:nvSpPr>
+        <p:spPr/>
+        <p:txBody>
+          <a:bodyPr/>
+          <a:lstStyle/>
+          <a:p>
+            <a:r>
+              <a:rPr lang="en-GB" b="1" dirty="0"/>
+              <a:t>NON DIRE </a:t>
+            </a:r>
+            <a:r>
+              <a:rPr lang="en-GB" dirty="0"/>
+              <a:t>“PATTERN DI DATI”</a:t>
+            </a:r>
+          </a:p>
+        </p:txBody>
+      </p:sp>
+      <p:sp>
+        <p:nvSpPr>
+          <p:cNvPr id="4" name="Slide Number Placeholder 3"/>
+          <p:cNvSpPr>
+            <a:spLocks noGrp="1"/>
+          </p:cNvSpPr>
+          <p:nvPr>
+            <p:ph type="sldNum" sz="quarter" idx="5"/>
+          </p:nvPr>
+        </p:nvSpPr>
+        <p:spPr/>
+        <p:txBody>
+          <a:bodyPr/>
+          <a:lstStyle/>
+          <a:p>
+            <a:fld id="{706AC765-ED13-40B6-BC48-CD5D505C2FF3}" type="slidenum">
+              <a:rPr lang="it-IT" smtClean="0"/>
+              <a:t>11</a:t>
+            </a:fld>
+            <a:endParaRPr lang="it-IT"/>
+          </a:p>
+        </p:txBody>
+      </p:sp>
+    </p:spTree>
+    <p:extLst>
+      <p:ext uri="{BB962C8B-B14F-4D97-AF65-F5344CB8AC3E}">
+        <p14:creationId xmlns:p14="http://schemas.microsoft.com/office/powerpoint/2010/main" val="213116596"/>
+      </p:ext>
+    </p:extLst>
+  </p:cSld>
+  <p:clrMapOvr>
+    <a:masterClrMapping/>
+  </p:clrMapOvr>
+</p:notes>
+</file>
+
+<file path=ppt/notesSlides/notesSlide2.xml><?xml version="1.0" encoding="utf-8"?>
+<p:notes xmlns:a="http://schemas.openxmlformats.org/drawingml/2006/main" xmlns:r="http://schemas.openxmlformats.org/officeDocument/2006/relationships" xmlns:p="http://schemas.openxmlformats.org/presentationml/2006/main">
+  <p:cSld>
+    <p:spTree>
+      <p:nvGrpSpPr>
+        <p:cNvPr id="1" name=""/>
+        <p:cNvGrpSpPr/>
+        <p:nvPr/>
+      </p:nvGrpSpPr>
+      <p:grpSpPr>
+        <a:xfrm>
+          <a:off x="0" y="0"/>
+          <a:ext cx="0" cy="0"/>
+          <a:chOff x="0" y="0"/>
+          <a:chExt cx="0" cy="0"/>
+        </a:xfrm>
+      </p:grpSpPr>
+      <p:sp>
+        <p:nvSpPr>
+          <p:cNvPr id="2" name="Slide Image Placeholder 1"/>
+          <p:cNvSpPr>
+            <a:spLocks noGrp="1" noRot="1" noChangeAspect="1"/>
+          </p:cNvSpPr>
+          <p:nvPr>
+            <p:ph type="sldImg"/>
+          </p:nvPr>
+        </p:nvSpPr>
+        <p:spPr/>
+      </p:sp>
+      <p:sp>
+        <p:nvSpPr>
+          <p:cNvPr id="3" name="Notes Placeholder 2"/>
+          <p:cNvSpPr>
+            <a:spLocks noGrp="1"/>
+          </p:cNvSpPr>
+          <p:nvPr>
+            <p:ph type="body" idx="1"/>
+          </p:nvPr>
+        </p:nvSpPr>
+        <p:spPr/>
+        <p:txBody>
+          <a:bodyPr/>
+          <a:lstStyle/>
+          <a:p>
+            <a:endParaRPr lang="en-GB" dirty="0"/>
+          </a:p>
+        </p:txBody>
+      </p:sp>
+      <p:sp>
+        <p:nvSpPr>
+          <p:cNvPr id="4" name="Slide Number Placeholder 3"/>
+          <p:cNvSpPr>
+            <a:spLocks noGrp="1"/>
+          </p:cNvSpPr>
+          <p:nvPr>
+            <p:ph type="sldNum" sz="quarter" idx="5"/>
+          </p:nvPr>
+        </p:nvSpPr>
+        <p:spPr/>
+        <p:txBody>
+          <a:bodyPr/>
+          <a:lstStyle/>
+          <a:p>
+            <a:fld id="{706AC765-ED13-40B6-BC48-CD5D505C2FF3}" type="slidenum">
+              <a:rPr lang="it-IT" smtClean="0"/>
+              <a:t>13</a:t>
+            </a:fld>
+            <a:endParaRPr lang="it-IT"/>
+          </a:p>
+        </p:txBody>
+      </p:sp>
+    </p:spTree>
+    <p:extLst>
+      <p:ext uri="{BB962C8B-B14F-4D97-AF65-F5344CB8AC3E}">
+        <p14:creationId xmlns:p14="http://schemas.microsoft.com/office/powerpoint/2010/main" val="1337629423"/>
+      </p:ext>
+    </p:extLst>
+  </p:cSld>
+  <p:clrMapOvr>
+    <a:masterClrMapping/>
+  </p:clrMapOvr>
+</p:notes>
+</file>
+
 <file path=ppt/slideLayouts/slideLayout1.xml><?xml version="1.0" encoding="utf-8"?>
 <p:sldLayout xmlns:a="http://schemas.openxmlformats.org/drawingml/2006/main" xmlns:r="http://schemas.openxmlformats.org/officeDocument/2006/relationships" xmlns:p="http://schemas.openxmlformats.org/presentationml/2006/main" type="title" preserve="1">
   <p:cSld name="Title Slide">
@@ -878,7 +1108,7 @@
           <a:p>
             <a:fld id="{FC4B83DD-4EBD-47AF-B430-497E20C53DBF}" type="datetime1">
               <a:rPr lang="en-US" smtClean="0"/>
-              <a:t>4/27/2024</a:t>
+              <a:t>4/29/2024</a:t>
             </a:fld>
             <a:endParaRPr lang="en-US"/>
           </a:p>
@@ -921,7 +1151,7 @@
             <a:fld id="{B6F15528-21DE-4FAA-801E-634DDDAF4B2B}" type="slidenum">
               <a:rPr lang="en-US" smtClean="0"/>
               <a:pPr/>
-              <a:t>‹N›</a:t>
+              <a:t>‹#›</a:t>
             </a:fld>
             <a:endParaRPr lang="en-US"/>
           </a:p>
@@ -1042,7 +1272,7 @@
           <a:p>
             <a:fld id="{91619D8C-0109-4F79-BA40-B0B68F59CD7C}" type="datetime1">
               <a:rPr lang="en-US" smtClean="0"/>
-              <a:t>4/27/2024</a:t>
+              <a:t>4/29/2024</a:t>
             </a:fld>
             <a:endParaRPr lang="en-US"/>
           </a:p>
@@ -1085,7 +1315,7 @@
             <a:fld id="{B6F15528-21DE-4FAA-801E-634DDDAF4B2B}" type="slidenum">
               <a:rPr lang="en-US" smtClean="0"/>
               <a:pPr/>
-              <a:t>‹N›</a:t>
+              <a:t>‹#›</a:t>
             </a:fld>
             <a:endParaRPr lang="en-US"/>
           </a:p>
@@ -1216,7 +1446,7 @@
           <a:p>
             <a:fld id="{9522CD97-C840-4073-A549-B4B0DBB8A5F5}" type="datetime1">
               <a:rPr lang="en-US" smtClean="0"/>
-              <a:t>4/27/2024</a:t>
+              <a:t>4/29/2024</a:t>
             </a:fld>
             <a:endParaRPr lang="en-US"/>
           </a:p>
@@ -1259,7 +1489,7 @@
             <a:fld id="{B6F15528-21DE-4FAA-801E-634DDDAF4B2B}" type="slidenum">
               <a:rPr lang="en-US" smtClean="0"/>
               <a:pPr/>
-              <a:t>‹N›</a:t>
+              <a:t>‹#›</a:t>
             </a:fld>
             <a:endParaRPr lang="en-US"/>
           </a:p>
@@ -1380,7 +1610,7 @@
           <a:p>
             <a:fld id="{6B05C39E-1F98-47CA-B0B7-C1C9183A2590}" type="datetime1">
               <a:rPr lang="en-US" smtClean="0"/>
-              <a:t>4/27/2024</a:t>
+              <a:t>4/29/2024</a:t>
             </a:fld>
             <a:endParaRPr lang="en-US"/>
           </a:p>
@@ -1423,7 +1653,7 @@
             <a:fld id="{B6F15528-21DE-4FAA-801E-634DDDAF4B2B}" type="slidenum">
               <a:rPr lang="en-US" smtClean="0"/>
               <a:pPr/>
-              <a:t>‹N›</a:t>
+              <a:t>‹#›</a:t>
             </a:fld>
             <a:endParaRPr lang="en-US"/>
           </a:p>
@@ -1621,7 +1851,7 @@
           <a:p>
             <a:fld id="{4D9AD655-5669-4F4B-A86F-F04A46E50400}" type="datetime1">
               <a:rPr lang="en-US" smtClean="0"/>
-              <a:t>4/27/2024</a:t>
+              <a:t>4/29/2024</a:t>
             </a:fld>
             <a:endParaRPr lang="en-US"/>
           </a:p>
@@ -1664,7 +1894,7 @@
             <a:fld id="{B6F15528-21DE-4FAA-801E-634DDDAF4B2B}" type="slidenum">
               <a:rPr lang="en-US" smtClean="0"/>
               <a:pPr/>
-              <a:t>‹N›</a:t>
+              <a:t>‹#›</a:t>
             </a:fld>
             <a:endParaRPr lang="en-US"/>
           </a:p>
@@ -1902,7 +2132,7 @@
           <a:p>
             <a:fld id="{1E0706D6-38D2-40E0-878D-8FB0EAA80CB4}" type="datetime1">
               <a:rPr lang="en-US" smtClean="0"/>
-              <a:t>4/27/2024</a:t>
+              <a:t>4/29/2024</a:t>
             </a:fld>
             <a:endParaRPr lang="en-US"/>
           </a:p>
@@ -1945,7 +2175,7 @@
             <a:fld id="{B6F15528-21DE-4FAA-801E-634DDDAF4B2B}" type="slidenum">
               <a:rPr lang="en-US" smtClean="0"/>
               <a:pPr/>
-              <a:t>‹N›</a:t>
+              <a:t>‹#›</a:t>
             </a:fld>
             <a:endParaRPr lang="en-US"/>
           </a:p>
@@ -2317,7 +2547,7 @@
           <a:p>
             <a:fld id="{FB1EFA5A-859A-428F-9011-65F3B4FAAB6D}" type="datetime1">
               <a:rPr lang="en-US" smtClean="0"/>
-              <a:t>4/27/2024</a:t>
+              <a:t>4/29/2024</a:t>
             </a:fld>
             <a:endParaRPr lang="en-US"/>
           </a:p>
@@ -2360,7 +2590,7 @@
             <a:fld id="{B6F15528-21DE-4FAA-801E-634DDDAF4B2B}" type="slidenum">
               <a:rPr lang="en-US" smtClean="0"/>
               <a:pPr/>
-              <a:t>‹N›</a:t>
+              <a:t>‹#›</a:t>
             </a:fld>
             <a:endParaRPr lang="en-US"/>
           </a:p>
@@ -2430,7 +2660,7 @@
           <a:p>
             <a:fld id="{4D4953C8-EAA7-4DAC-85F8-CFC4A4A6C08B}" type="datetime1">
               <a:rPr lang="en-US" smtClean="0"/>
-              <a:t>4/27/2024</a:t>
+              <a:t>4/29/2024</a:t>
             </a:fld>
             <a:endParaRPr lang="en-US"/>
           </a:p>
@@ -2473,7 +2703,7 @@
             <a:fld id="{B6F15528-21DE-4FAA-801E-634DDDAF4B2B}" type="slidenum">
               <a:rPr lang="en-US" smtClean="0"/>
               <a:pPr/>
-              <a:t>‹N›</a:t>
+              <a:t>‹#›</a:t>
             </a:fld>
             <a:endParaRPr lang="en-US"/>
           </a:p>
@@ -2521,7 +2751,7 @@
           <a:p>
             <a:fld id="{381A32B1-3967-4BEC-9C9A-B9773F384074}" type="datetime1">
               <a:rPr lang="en-US" smtClean="0"/>
-              <a:t>4/27/2024</a:t>
+              <a:t>4/29/2024</a:t>
             </a:fld>
             <a:endParaRPr lang="en-US"/>
           </a:p>
@@ -2564,7 +2794,7 @@
             <a:fld id="{B6F15528-21DE-4FAA-801E-634DDDAF4B2B}" type="slidenum">
               <a:rPr lang="en-US" smtClean="0"/>
               <a:pPr/>
-              <a:t>‹N›</a:t>
+              <a:t>‹#›</a:t>
             </a:fld>
             <a:endParaRPr lang="en-US"/>
           </a:p>
@@ -2792,7 +3022,7 @@
           <a:p>
             <a:fld id="{A1A2EE70-BB0D-4287-B24B-6A1ED1B3E73F}" type="datetime1">
               <a:rPr lang="en-US" smtClean="0"/>
-              <a:t>4/27/2024</a:t>
+              <a:t>4/29/2024</a:t>
             </a:fld>
             <a:endParaRPr lang="en-US"/>
           </a:p>
@@ -2835,7 +3065,7 @@
             <a:fld id="{B6F15528-21DE-4FAA-801E-634DDDAF4B2B}" type="slidenum">
               <a:rPr lang="en-US" smtClean="0"/>
               <a:pPr/>
-              <a:t>‹N›</a:t>
+              <a:t>‹#›</a:t>
             </a:fld>
             <a:endParaRPr lang="en-US"/>
           </a:p>
@@ -3040,7 +3270,7 @@
           <a:p>
             <a:fld id="{8DF06DAD-5109-4348-9B7B-B9B2FAAEFFC8}" type="datetime1">
               <a:rPr lang="en-US" smtClean="0"/>
-              <a:t>4/27/2024</a:t>
+              <a:t>4/29/2024</a:t>
             </a:fld>
             <a:endParaRPr lang="en-US"/>
           </a:p>
@@ -3083,7 +3313,7 @@
             <a:fld id="{B6F15528-21DE-4FAA-801E-634DDDAF4B2B}" type="slidenum">
               <a:rPr lang="en-US" smtClean="0"/>
               <a:pPr/>
-              <a:t>‹N›</a:t>
+              <a:t>‹#›</a:t>
             </a:fld>
             <a:endParaRPr lang="en-US"/>
           </a:p>
@@ -3247,7 +3477,7 @@
           <a:p>
             <a:fld id="{728A63FB-5D31-47AC-92FF-F1CBCCB6776A}" type="datetime1">
               <a:rPr lang="en-US" smtClean="0"/>
-              <a:t>4/27/2024</a:t>
+              <a:t>4/29/2024</a:t>
             </a:fld>
             <a:endParaRPr lang="en-US"/>
           </a:p>
@@ -3326,7 +3556,7 @@
             <a:fld id="{B6F15528-21DE-4FAA-801E-634DDDAF4B2B}" type="slidenum">
               <a:rPr lang="en-US" smtClean="0"/>
               <a:pPr/>
-              <a:t>‹N›</a:t>
+              <a:t>‹#›</a:t>
             </a:fld>
             <a:endParaRPr lang="en-US"/>
           </a:p>
@@ -4034,7 +4264,7 @@
           <p:cNvPr id="2" name="Freeform 4">
             <a:extLst>
               <a:ext uri="{FF2B5EF4-FFF2-40B4-BE49-F238E27FC236}">
-                <a16:creationId xmlns:a16="http://schemas.microsoft.com/office/drawing/2014/main" id="{729A63E0-26F3-2980-195C-C7357D062A9A}"/>
+                <a16:creationId xmlns:a16="http://schemas.microsoft.com/office/drawing/2014/main" id="{ECDBE907-4A42-5479-9B25-C7DF989CA29A}"/>
               </a:ext>
             </a:extLst>
           </p:cNvPr>
@@ -4042,8 +4272,8 @@
           <p:nvPr/>
         </p:nvSpPr>
         <p:spPr>
-          <a:xfrm rot="16388099">
-            <a:off x="-1016243" y="7347849"/>
+          <a:xfrm rot="12606587">
+            <a:off x="-2362539" y="5861562"/>
             <a:ext cx="9495369" cy="7717145"/>
           </a:xfrm>
           <a:custGeom>
@@ -4097,10 +4327,102 @@
       </p:sp>
       <p:sp>
         <p:nvSpPr>
-          <p:cNvPr id="5" name="CasellaDiTesto 4">
+          <p:cNvPr id="3" name="Rettangolo 2">
             <a:extLst>
               <a:ext uri="{FF2B5EF4-FFF2-40B4-BE49-F238E27FC236}">
-                <a16:creationId xmlns:a16="http://schemas.microsoft.com/office/drawing/2014/main" id="{1E3633BD-E206-A953-D0BC-31C619B79EEB}"/>
+                <a16:creationId xmlns:a16="http://schemas.microsoft.com/office/drawing/2014/main" id="{32D734E8-BF26-AACE-3F5E-92B6EEDADFCB}"/>
+              </a:ext>
+            </a:extLst>
+          </p:cNvPr>
+          <p:cNvSpPr/>
+          <p:nvPr/>
+        </p:nvSpPr>
+        <p:spPr>
+          <a:xfrm>
+            <a:off x="9144000" y="404812"/>
+            <a:ext cx="76200" cy="9677400"/>
+          </a:xfrm>
+          <a:prstGeom prst="rect">
+            <a:avLst/>
+          </a:prstGeom>
+        </p:spPr>
+        <p:style>
+          <a:lnRef idx="2">
+            <a:schemeClr val="accent1">
+              <a:shade val="15000"/>
+            </a:schemeClr>
+          </a:lnRef>
+          <a:fillRef idx="1">
+            <a:schemeClr val="accent1"/>
+          </a:fillRef>
+          <a:effectRef idx="0">
+            <a:schemeClr val="accent1"/>
+          </a:effectRef>
+          <a:fontRef idx="minor">
+            <a:schemeClr val="lt1"/>
+          </a:fontRef>
+        </p:style>
+        <p:txBody>
+          <a:bodyPr rtlCol="0" anchor="ctr"/>
+          <a:lstStyle/>
+          <a:p>
+            <a:pPr algn="ctr"/>
+            <a:endParaRPr lang="it-IT"/>
+          </a:p>
+        </p:txBody>
+      </p:sp>
+      <p:sp>
+        <p:nvSpPr>
+          <p:cNvPr id="6" name="Rettangolo 5">
+            <a:extLst>
+              <a:ext uri="{FF2B5EF4-FFF2-40B4-BE49-F238E27FC236}">
+                <a16:creationId xmlns:a16="http://schemas.microsoft.com/office/drawing/2014/main" id="{B3AD9E5F-AA00-EBC9-10A9-E9286209FA34}"/>
+              </a:ext>
+            </a:extLst>
+          </p:cNvPr>
+          <p:cNvSpPr/>
+          <p:nvPr/>
+        </p:nvSpPr>
+        <p:spPr>
+          <a:xfrm>
+            <a:off x="3276600" y="1714500"/>
+            <a:ext cx="11811000" cy="76200"/>
+          </a:xfrm>
+          <a:prstGeom prst="rect">
+            <a:avLst/>
+          </a:prstGeom>
+        </p:spPr>
+        <p:style>
+          <a:lnRef idx="2">
+            <a:schemeClr val="accent1">
+              <a:shade val="15000"/>
+            </a:schemeClr>
+          </a:lnRef>
+          <a:fillRef idx="1">
+            <a:schemeClr val="accent1"/>
+          </a:fillRef>
+          <a:effectRef idx="0">
+            <a:schemeClr val="accent1"/>
+          </a:effectRef>
+          <a:fontRef idx="minor">
+            <a:schemeClr val="lt1"/>
+          </a:fontRef>
+        </p:style>
+        <p:txBody>
+          <a:bodyPr rtlCol="0" anchor="ctr"/>
+          <a:lstStyle/>
+          <a:p>
+            <a:pPr algn="ctr"/>
+            <a:endParaRPr lang="it-IT"/>
+          </a:p>
+        </p:txBody>
+      </p:sp>
+      <p:sp>
+        <p:nvSpPr>
+          <p:cNvPr id="10" name="CasellaDiTesto 9">
+            <a:extLst>
+              <a:ext uri="{FF2B5EF4-FFF2-40B4-BE49-F238E27FC236}">
+                <a16:creationId xmlns:a16="http://schemas.microsoft.com/office/drawing/2014/main" id="{1A083AB9-B62D-F3C7-8281-71E622ACDF3E}"/>
               </a:ext>
             </a:extLst>
           </p:cNvPr>
@@ -4109,8 +4431,8 @@
         </p:nvSpPr>
         <p:spPr>
           <a:xfrm>
-            <a:off x="1902619" y="1211416"/>
-            <a:ext cx="15699581" cy="1262012"/>
+            <a:off x="3962400" y="450696"/>
+            <a:ext cx="4191000" cy="1262012"/>
           </a:xfrm>
           <a:prstGeom prst="rect">
             <a:avLst/>
@@ -4141,35 +4463,29 @@
               <a:defRPr/>
             </a:pPr>
             <a:r>
-              <a:rPr lang="en-US" sz="9000" dirty="0">
+              <a:rPr kumimoji="0" lang="en-US" sz="9000" b="0" i="0" u="none" strike="noStrike" kern="1200" cap="none" spc="0" normalizeH="0" baseline="0" noProof="0" dirty="0">
+                <a:ln>
+                  <a:noFill/>
+                </a:ln>
                 <a:solidFill>
                   <a:srgbClr val="004AAD"/>
                 </a:solidFill>
+                <a:effectLst/>
+                <a:uLnTx/>
+                <a:uFillTx/>
                 <a:latin typeface="Arial Black" panose="020B0A04020102020204" pitchFamily="34" charset="0"/>
               </a:rPr>
-              <a:t>WHAT IF I WANT TO USE</a:t>
-            </a:r>
-            <a:endParaRPr kumimoji="0" lang="en-US" sz="9000" b="0" i="0" u="none" strike="noStrike" kern="1200" cap="none" spc="0" normalizeH="0" baseline="0" noProof="0" dirty="0">
-              <a:ln>
-                <a:noFill/>
-              </a:ln>
-              <a:solidFill>
-                <a:srgbClr val="004AAD"/>
-              </a:solidFill>
-              <a:effectLst/>
-              <a:uLnTx/>
-              <a:uFillTx/>
-              <a:latin typeface="Arial Black" panose="020B0A04020102020204" pitchFamily="34" charset="0"/>
-            </a:endParaRPr>
-          </a:p>
-        </p:txBody>
-      </p:sp>
-      <p:sp>
-        <p:nvSpPr>
-          <p:cNvPr id="7" name="CasellaDiTesto 6">
+              <a:t>INPUT</a:t>
+            </a:r>
+          </a:p>
+        </p:txBody>
+      </p:sp>
+      <p:sp>
+        <p:nvSpPr>
+          <p:cNvPr id="12" name="CasellaDiTesto 11">
             <a:extLst>
               <a:ext uri="{FF2B5EF4-FFF2-40B4-BE49-F238E27FC236}">
-                <a16:creationId xmlns:a16="http://schemas.microsoft.com/office/drawing/2014/main" id="{1ED2C51D-1145-98AA-08DC-8A1C65AE64F5}"/>
+                <a16:creationId xmlns:a16="http://schemas.microsoft.com/office/drawing/2014/main" id="{C20BF23C-78C2-D303-788B-91CD60F058FC}"/>
               </a:ext>
             </a:extLst>
           </p:cNvPr>
@@ -4178,8 +4494,8 @@
         </p:nvSpPr>
         <p:spPr>
           <a:xfrm>
-            <a:off x="1902618" y="3238500"/>
-            <a:ext cx="10441781" cy="1160639"/>
+            <a:off x="10182224" y="404812"/>
+            <a:ext cx="5591175" cy="1262012"/>
           </a:xfrm>
           <a:prstGeom prst="rect">
             <a:avLst/>
@@ -4210,7 +4526,7 @@
               <a:defRPr/>
             </a:pPr>
             <a:r>
-              <a:rPr kumimoji="0" lang="en-US" sz="6000" b="0" i="0" u="none" strike="noStrike" kern="1200" cap="none" spc="0" normalizeH="0" baseline="0" noProof="0" dirty="0">
+              <a:rPr kumimoji="0" lang="en-US" sz="9000" b="0" i="0" u="none" strike="noStrike" kern="1200" cap="none" spc="0" normalizeH="0" baseline="0" noProof="0" dirty="0">
                 <a:ln>
                   <a:noFill/>
                 </a:ln>
@@ -4222,17 +4538,17 @@
                 <a:uFillTx/>
                 <a:latin typeface="Arial Black" panose="020B0A04020102020204" pitchFamily="34" charset="0"/>
               </a:rPr>
-              <a:t>A NEW PATTERN</a:t>
-            </a:r>
-          </a:p>
-        </p:txBody>
-      </p:sp>
-      <p:sp>
-        <p:nvSpPr>
-          <p:cNvPr id="9" name="CasellaDiTesto 8">
+              <a:t>OUTPUT</a:t>
+            </a:r>
+          </a:p>
+        </p:txBody>
+      </p:sp>
+      <p:sp>
+        <p:nvSpPr>
+          <p:cNvPr id="14" name="CasellaDiTesto 13">
             <a:extLst>
               <a:ext uri="{FF2B5EF4-FFF2-40B4-BE49-F238E27FC236}">
-                <a16:creationId xmlns:a16="http://schemas.microsoft.com/office/drawing/2014/main" id="{26921D16-947B-AAE9-DF2D-86987225B468}"/>
+                <a16:creationId xmlns:a16="http://schemas.microsoft.com/office/drawing/2014/main" id="{8311183F-A196-D02A-E4EE-CCFC63C10446}"/>
               </a:ext>
             </a:extLst>
           </p:cNvPr>
@@ -4241,8 +4557,8 @@
         </p:nvSpPr>
         <p:spPr>
           <a:xfrm>
-            <a:off x="1902619" y="4305300"/>
-            <a:ext cx="13032581" cy="1160639"/>
+            <a:off x="2895600" y="2720666"/>
+            <a:ext cx="6248400" cy="1262012"/>
           </a:xfrm>
           <a:prstGeom prst="rect">
             <a:avLst/>
@@ -4273,39 +4589,29 @@
               <a:defRPr/>
             </a:pPr>
             <a:r>
-              <a:rPr lang="en-US" sz="6000" dirty="0">
+              <a:rPr kumimoji="0" lang="en-US" sz="9000" b="0" i="0" u="none" strike="noStrike" kern="1200" cap="none" spc="0" normalizeH="0" baseline="0" noProof="0" dirty="0">
+                <a:ln>
+                  <a:noFill/>
+                </a:ln>
                 <a:solidFill>
-                  <a:schemeClr val="accent6">
-                    <a:lumMod val="75000"/>
-                  </a:schemeClr>
+                  <a:srgbClr val="004AAD"/>
                 </a:solidFill>
+                <a:effectLst/>
+                <a:uLnTx/>
+                <a:uFillTx/>
                 <a:latin typeface="Arial Black" panose="020B0A04020102020204" pitchFamily="34" charset="0"/>
               </a:rPr>
-              <a:t>BUT WITH AN OLD DATA SET?</a:t>
-            </a:r>
-            <a:endParaRPr kumimoji="0" lang="en-US" sz="6000" b="0" i="0" u="none" strike="noStrike" kern="1200" cap="none" spc="0" normalizeH="0" baseline="0" noProof="0" dirty="0">
-              <a:ln>
-                <a:noFill/>
-              </a:ln>
-              <a:solidFill>
-                <a:schemeClr val="accent6">
-                  <a:lumMod val="75000"/>
-                </a:schemeClr>
-              </a:solidFill>
-              <a:effectLst/>
-              <a:uLnTx/>
-              <a:uFillTx/>
-              <a:latin typeface="Arial Black" panose="020B0A04020102020204" pitchFamily="34" charset="0"/>
-            </a:endParaRPr>
-          </a:p>
-        </p:txBody>
-      </p:sp>
-      <p:sp>
-        <p:nvSpPr>
-          <p:cNvPr id="11" name="CasellaDiTesto 10">
+              <a:t>PATTERN</a:t>
+            </a:r>
+          </a:p>
+        </p:txBody>
+      </p:sp>
+      <p:sp>
+        <p:nvSpPr>
+          <p:cNvPr id="16" name="CasellaDiTesto 15">
             <a:extLst>
               <a:ext uri="{FF2B5EF4-FFF2-40B4-BE49-F238E27FC236}">
-                <a16:creationId xmlns:a16="http://schemas.microsoft.com/office/drawing/2014/main" id="{622BA16A-46BD-C862-3EBA-394AD37B0744}"/>
+                <a16:creationId xmlns:a16="http://schemas.microsoft.com/office/drawing/2014/main" id="{C0543D85-9C88-4250-034F-2DD48A82B1A7}"/>
               </a:ext>
             </a:extLst>
           </p:cNvPr>
@@ -4314,8 +4620,8 @@
         </p:nvSpPr>
         <p:spPr>
           <a:xfrm>
-            <a:off x="10134600" y="6479326"/>
-            <a:ext cx="10136980" cy="1160639"/>
+            <a:off x="5444207" y="4273879"/>
+            <a:ext cx="3733800" cy="1262012"/>
           </a:xfrm>
           <a:prstGeom prst="rect">
             <a:avLst/>
@@ -4346,7 +4652,7 @@
               <a:defRPr/>
             </a:pPr>
             <a:r>
-              <a:rPr kumimoji="0" lang="en-US" sz="6000" b="0" i="0" u="none" strike="noStrike" kern="1200" cap="none" spc="0" normalizeH="0" baseline="0" noProof="0" dirty="0">
+              <a:rPr kumimoji="0" lang="en-US" sz="9000" b="0" i="0" u="none" strike="noStrike" kern="1200" cap="none" spc="0" normalizeH="0" baseline="0" noProof="0" dirty="0">
                 <a:ln>
                   <a:noFill/>
                 </a:ln>
@@ -4358,17 +4664,17 @@
                 <a:uFillTx/>
                 <a:latin typeface="Arial Black" panose="020B0A04020102020204" pitchFamily="34" charset="0"/>
               </a:rPr>
-              <a:t>A NEW DATA SET</a:t>
-            </a:r>
-          </a:p>
-        </p:txBody>
-      </p:sp>
-      <p:sp>
-        <p:nvSpPr>
-          <p:cNvPr id="14" name="CasellaDiTesto 13">
+              <a:t>DATA</a:t>
+            </a:r>
+          </a:p>
+        </p:txBody>
+      </p:sp>
+      <p:sp>
+        <p:nvSpPr>
+          <p:cNvPr id="18" name="CasellaDiTesto 17">
             <a:extLst>
               <a:ext uri="{FF2B5EF4-FFF2-40B4-BE49-F238E27FC236}">
-                <a16:creationId xmlns:a16="http://schemas.microsoft.com/office/drawing/2014/main" id="{E1B3BE47-3ED7-11A6-2285-479BED4E1B16}"/>
+                <a16:creationId xmlns:a16="http://schemas.microsoft.com/office/drawing/2014/main" id="{BF240115-4AD9-26FF-CB61-A36E44003AF8}"/>
               </a:ext>
             </a:extLst>
           </p:cNvPr>
@@ -4377,8 +4683,8 @@
         </p:nvSpPr>
         <p:spPr>
           <a:xfrm>
-            <a:off x="4495800" y="7397749"/>
-            <a:ext cx="13258800" cy="1160639"/>
+            <a:off x="9272587" y="6134100"/>
+            <a:ext cx="11987213" cy="1180901"/>
           </a:xfrm>
           <a:prstGeom prst="rect">
             <a:avLst/>
@@ -4414,6 +4720,761 @@
                   <a:noFill/>
                 </a:ln>
                 <a:solidFill>
+                  <a:srgbClr val="004AAD"/>
+                </a:solidFill>
+                <a:effectLst/>
+                <a:uLnTx/>
+                <a:uFillTx/>
+                <a:latin typeface="Arial Black" panose="020B0A04020102020204" pitchFamily="34" charset="0"/>
+              </a:rPr>
+              <a:t>FOUND/NOT FOUND</a:t>
+            </a:r>
+          </a:p>
+        </p:txBody>
+      </p:sp>
+      <p:sp>
+        <p:nvSpPr>
+          <p:cNvPr id="20" name="CasellaDiTesto 19">
+            <a:extLst>
+              <a:ext uri="{FF2B5EF4-FFF2-40B4-BE49-F238E27FC236}">
+                <a16:creationId xmlns:a16="http://schemas.microsoft.com/office/drawing/2014/main" id="{5EA45DA7-EB28-0A7F-A74A-794E60B5226C}"/>
+              </a:ext>
+            </a:extLst>
+          </p:cNvPr>
+          <p:cNvSpPr txBox="1"/>
+          <p:nvPr/>
+        </p:nvSpPr>
+        <p:spPr>
+          <a:xfrm>
+            <a:off x="9302084" y="7734300"/>
+            <a:ext cx="12462386" cy="1262012"/>
+          </a:xfrm>
+          <a:prstGeom prst="rect">
+            <a:avLst/>
+          </a:prstGeom>
+          <a:noFill/>
+        </p:spPr>
+        <p:txBody>
+          <a:bodyPr wrap="square">
+            <a:spAutoFit/>
+          </a:bodyPr>
+          <a:lstStyle/>
+          <a:p>
+            <a:pPr marL="0" marR="0" lvl="0" indent="0" algn="l" defTabSz="914400" rtl="0" eaLnBrk="1" fontAlgn="auto" latinLnBrk="0" hangingPunct="1">
+              <a:lnSpc>
+                <a:spcPts val="9000"/>
+              </a:lnSpc>
+              <a:spcBef>
+                <a:spcPts val="0"/>
+              </a:spcBef>
+              <a:spcAft>
+                <a:spcPts val="0"/>
+              </a:spcAft>
+              <a:buClrTx/>
+              <a:buSzTx/>
+              <a:buFontTx/>
+              <a:buNone/>
+              <a:tabLst/>
+              <a:defRPr/>
+            </a:pPr>
+            <a:r>
+              <a:rPr kumimoji="0" lang="en-US" sz="9000" b="0" i="0" u="none" strike="noStrike" kern="1200" cap="none" spc="0" normalizeH="0" baseline="0" noProof="0" dirty="0">
+                <a:ln>
+                  <a:noFill/>
+                </a:ln>
+                <a:solidFill>
+                  <a:srgbClr val="004AAD"/>
+                </a:solidFill>
+                <a:effectLst/>
+                <a:uLnTx/>
+                <a:uFillTx/>
+                <a:latin typeface="Arial Black" panose="020B0A04020102020204" pitchFamily="34" charset="0"/>
+              </a:rPr>
+              <a:t>POSITION</a:t>
+            </a:r>
+          </a:p>
+        </p:txBody>
+      </p:sp>
+      <p:sp>
+        <p:nvSpPr>
+          <p:cNvPr id="4" name="Segnaposto numero diapositiva 10">
+            <a:extLst>
+              <a:ext uri="{FF2B5EF4-FFF2-40B4-BE49-F238E27FC236}">
+                <a16:creationId xmlns:a16="http://schemas.microsoft.com/office/drawing/2014/main" id="{E2AD4C7D-B69B-D3C5-044F-DE72AF9C10A7}"/>
+              </a:ext>
+            </a:extLst>
+          </p:cNvPr>
+          <p:cNvSpPr>
+            <a:spLocks noGrp="1"/>
+          </p:cNvSpPr>
+          <p:nvPr>
+            <p:ph type="sldNum" sz="quarter" idx="12"/>
+          </p:nvPr>
+        </p:nvSpPr>
+        <p:spPr>
+          <a:xfrm>
+            <a:off x="15773400" y="9639300"/>
+            <a:ext cx="2133600" cy="365125"/>
+          </a:xfrm>
+        </p:spPr>
+        <p:txBody>
+          <a:bodyPr/>
+          <a:lstStyle/>
+          <a:p>
+            <a:fld id="{B6F15528-21DE-4FAA-801E-634DDDAF4B2B}" type="slidenum">
+              <a:rPr lang="en-US" smtClean="0"/>
+              <a:pPr/>
+              <a:t>10</a:t>
+            </a:fld>
+            <a:endParaRPr lang="en-US" dirty="0"/>
+          </a:p>
+        </p:txBody>
+      </p:sp>
+    </p:spTree>
+    <p:extLst>
+      <p:ext uri="{BB962C8B-B14F-4D97-AF65-F5344CB8AC3E}">
+        <p14:creationId xmlns:p14="http://schemas.microsoft.com/office/powerpoint/2010/main" val="3362444051"/>
+      </p:ext>
+    </p:extLst>
+  </p:cSld>
+  <p:clrMapOvr>
+    <a:masterClrMapping/>
+  </p:clrMapOvr>
+  <p:timing>
+    <p:tnLst>
+      <p:par>
+        <p:cTn id="1" dur="indefinite" restart="never" nodeType="tmRoot">
+          <p:childTnLst>
+            <p:seq concurrent="1" nextAc="seek">
+              <p:cTn id="2" dur="indefinite" nodeType="mainSeq">
+                <p:childTnLst>
+                  <p:par>
+                    <p:cTn id="3" fill="hold">
+                      <p:stCondLst>
+                        <p:cond delay="indefinite"/>
+                      </p:stCondLst>
+                      <p:childTnLst>
+                        <p:par>
+                          <p:cTn id="4" fill="hold">
+                            <p:stCondLst>
+                              <p:cond delay="0"/>
+                            </p:stCondLst>
+                            <p:childTnLst>
+                              <p:par>
+                                <p:cTn id="5" presetID="22" presetClass="entr" presetSubtype="4" fill="hold" grpId="0" nodeType="clickEffect">
+                                  <p:stCondLst>
+                                    <p:cond delay="0"/>
+                                  </p:stCondLst>
+                                  <p:childTnLst>
+                                    <p:set>
+                                      <p:cBhvr>
+                                        <p:cTn id="6" dur="1" fill="hold">
+                                          <p:stCondLst>
+                                            <p:cond delay="0"/>
+                                          </p:stCondLst>
+                                        </p:cTn>
+                                        <p:tgtEl>
+                                          <p:spTgt spid="16"/>
+                                        </p:tgtEl>
+                                        <p:attrNameLst>
+                                          <p:attrName>style.visibility</p:attrName>
+                                        </p:attrNameLst>
+                                      </p:cBhvr>
+                                      <p:to>
+                                        <p:strVal val="visible"/>
+                                      </p:to>
+                                    </p:set>
+                                    <p:animEffect transition="in" filter="wipe(down)">
+                                      <p:cBhvr>
+                                        <p:cTn id="7" dur="500"/>
+                                        <p:tgtEl>
+                                          <p:spTgt spid="16"/>
+                                        </p:tgtEl>
+                                      </p:cBhvr>
+                                    </p:animEffect>
+                                  </p:childTnLst>
+                                </p:cTn>
+                              </p:par>
+                              <p:par>
+                                <p:cTn id="8" presetID="22" presetClass="entr" presetSubtype="4" fill="hold" grpId="0" nodeType="withEffect">
+                                  <p:stCondLst>
+                                    <p:cond delay="0"/>
+                                  </p:stCondLst>
+                                  <p:childTnLst>
+                                    <p:set>
+                                      <p:cBhvr>
+                                        <p:cTn id="9" dur="1" fill="hold">
+                                          <p:stCondLst>
+                                            <p:cond delay="0"/>
+                                          </p:stCondLst>
+                                        </p:cTn>
+                                        <p:tgtEl>
+                                          <p:spTgt spid="14"/>
+                                        </p:tgtEl>
+                                        <p:attrNameLst>
+                                          <p:attrName>style.visibility</p:attrName>
+                                        </p:attrNameLst>
+                                      </p:cBhvr>
+                                      <p:to>
+                                        <p:strVal val="visible"/>
+                                      </p:to>
+                                    </p:set>
+                                    <p:animEffect transition="in" filter="wipe(down)">
+                                      <p:cBhvr>
+                                        <p:cTn id="10" dur="500"/>
+                                        <p:tgtEl>
+                                          <p:spTgt spid="14"/>
+                                        </p:tgtEl>
+                                      </p:cBhvr>
+                                    </p:animEffect>
+                                  </p:childTnLst>
+                                </p:cTn>
+                              </p:par>
+                            </p:childTnLst>
+                          </p:cTn>
+                        </p:par>
+                      </p:childTnLst>
+                    </p:cTn>
+                  </p:par>
+                  <p:par>
+                    <p:cTn id="11" fill="hold">
+                      <p:stCondLst>
+                        <p:cond delay="indefinite"/>
+                      </p:stCondLst>
+                      <p:childTnLst>
+                        <p:par>
+                          <p:cTn id="12" fill="hold">
+                            <p:stCondLst>
+                              <p:cond delay="0"/>
+                            </p:stCondLst>
+                            <p:childTnLst>
+                              <p:par>
+                                <p:cTn id="13" presetID="22" presetClass="entr" presetSubtype="4" fill="hold" grpId="0" nodeType="clickEffect">
+                                  <p:stCondLst>
+                                    <p:cond delay="0"/>
+                                  </p:stCondLst>
+                                  <p:childTnLst>
+                                    <p:set>
+                                      <p:cBhvr>
+                                        <p:cTn id="14" dur="1" fill="hold">
+                                          <p:stCondLst>
+                                            <p:cond delay="0"/>
+                                          </p:stCondLst>
+                                        </p:cTn>
+                                        <p:tgtEl>
+                                          <p:spTgt spid="18"/>
+                                        </p:tgtEl>
+                                        <p:attrNameLst>
+                                          <p:attrName>style.visibility</p:attrName>
+                                        </p:attrNameLst>
+                                      </p:cBhvr>
+                                      <p:to>
+                                        <p:strVal val="visible"/>
+                                      </p:to>
+                                    </p:set>
+                                    <p:animEffect transition="in" filter="wipe(down)">
+                                      <p:cBhvr>
+                                        <p:cTn id="15" dur="500"/>
+                                        <p:tgtEl>
+                                          <p:spTgt spid="18"/>
+                                        </p:tgtEl>
+                                      </p:cBhvr>
+                                    </p:animEffect>
+                                  </p:childTnLst>
+                                </p:cTn>
+                              </p:par>
+                            </p:childTnLst>
+                          </p:cTn>
+                        </p:par>
+                      </p:childTnLst>
+                    </p:cTn>
+                  </p:par>
+                  <p:par>
+                    <p:cTn id="16" fill="hold">
+                      <p:stCondLst>
+                        <p:cond delay="indefinite"/>
+                      </p:stCondLst>
+                      <p:childTnLst>
+                        <p:par>
+                          <p:cTn id="17" fill="hold">
+                            <p:stCondLst>
+                              <p:cond delay="0"/>
+                            </p:stCondLst>
+                            <p:childTnLst>
+                              <p:par>
+                                <p:cTn id="18" presetID="22" presetClass="entr" presetSubtype="4" fill="hold" grpId="0" nodeType="clickEffect">
+                                  <p:stCondLst>
+                                    <p:cond delay="0"/>
+                                  </p:stCondLst>
+                                  <p:childTnLst>
+                                    <p:set>
+                                      <p:cBhvr>
+                                        <p:cTn id="19" dur="1" fill="hold">
+                                          <p:stCondLst>
+                                            <p:cond delay="0"/>
+                                          </p:stCondLst>
+                                        </p:cTn>
+                                        <p:tgtEl>
+                                          <p:spTgt spid="20"/>
+                                        </p:tgtEl>
+                                        <p:attrNameLst>
+                                          <p:attrName>style.visibility</p:attrName>
+                                        </p:attrNameLst>
+                                      </p:cBhvr>
+                                      <p:to>
+                                        <p:strVal val="visible"/>
+                                      </p:to>
+                                    </p:set>
+                                    <p:animEffect transition="in" filter="wipe(down)">
+                                      <p:cBhvr>
+                                        <p:cTn id="20" dur="500"/>
+                                        <p:tgtEl>
+                                          <p:spTgt spid="20"/>
+                                        </p:tgtEl>
+                                      </p:cBhvr>
+                                    </p:animEffect>
+                                  </p:childTnLst>
+                                </p:cTn>
+                              </p:par>
+                            </p:childTnLst>
+                          </p:cTn>
+                        </p:par>
+                      </p:childTnLst>
+                    </p:cTn>
+                  </p:par>
+                </p:childTnLst>
+              </p:cTn>
+              <p:prevCondLst>
+                <p:cond evt="onPrev" delay="0">
+                  <p:tgtEl>
+                    <p:sldTgt/>
+                  </p:tgtEl>
+                </p:cond>
+              </p:prevCondLst>
+              <p:nextCondLst>
+                <p:cond evt="onNext" delay="0">
+                  <p:tgtEl>
+                    <p:sldTgt/>
+                  </p:tgtEl>
+                </p:cond>
+              </p:nextCondLst>
+            </p:seq>
+          </p:childTnLst>
+        </p:cTn>
+      </p:par>
+    </p:tnLst>
+    <p:bldLst>
+      <p:bldP spid="14" grpId="0"/>
+      <p:bldP spid="16" grpId="0"/>
+      <p:bldP spid="18" grpId="0"/>
+      <p:bldP spid="20" grpId="0"/>
+    </p:bldLst>
+  </p:timing>
+</p:sld>
+</file>
+
+<file path=ppt/slides/slide11.xml><?xml version="1.0" encoding="utf-8"?>
+<p:sld xmlns:a="http://schemas.openxmlformats.org/drawingml/2006/main" xmlns:r="http://schemas.openxmlformats.org/officeDocument/2006/relationships" xmlns:p="http://schemas.openxmlformats.org/presentationml/2006/main">
+  <p:cSld>
+    <p:spTree>
+      <p:nvGrpSpPr>
+        <p:cNvPr id="1" name=""/>
+        <p:cNvGrpSpPr/>
+        <p:nvPr/>
+      </p:nvGrpSpPr>
+      <p:grpSpPr>
+        <a:xfrm>
+          <a:off x="0" y="0"/>
+          <a:ext cx="0" cy="0"/>
+          <a:chOff x="0" y="0"/>
+          <a:chExt cx="0" cy="0"/>
+        </a:xfrm>
+      </p:grpSpPr>
+      <p:sp>
+        <p:nvSpPr>
+          <p:cNvPr id="2" name="Freeform 4">
+            <a:extLst>
+              <a:ext uri="{FF2B5EF4-FFF2-40B4-BE49-F238E27FC236}">
+                <a16:creationId xmlns:a16="http://schemas.microsoft.com/office/drawing/2014/main" id="{729A63E0-26F3-2980-195C-C7357D062A9A}"/>
+              </a:ext>
+            </a:extLst>
+          </p:cNvPr>
+          <p:cNvSpPr/>
+          <p:nvPr/>
+        </p:nvSpPr>
+        <p:spPr>
+          <a:xfrm rot="16388099">
+            <a:off x="-1016243" y="7347849"/>
+            <a:ext cx="9495369" cy="7717145"/>
+          </a:xfrm>
+          <a:custGeom>
+            <a:avLst/>
+            <a:gdLst/>
+            <a:ahLst/>
+            <a:cxnLst/>
+            <a:rect l="l" t="t" r="r" b="b"/>
+            <a:pathLst>
+              <a:path w="9495369" h="7717145">
+                <a:moveTo>
+                  <a:pt x="0" y="0"/>
+                </a:moveTo>
+                <a:lnTo>
+                  <a:pt x="9495369" y="0"/>
+                </a:lnTo>
+                <a:lnTo>
+                  <a:pt x="9495369" y="7717145"/>
+                </a:lnTo>
+                <a:lnTo>
+                  <a:pt x="0" y="7717145"/>
+                </a:lnTo>
+                <a:lnTo>
+                  <a:pt x="0" y="0"/>
+                </a:lnTo>
+                <a:close/>
+              </a:path>
+            </a:pathLst>
+          </a:custGeom>
+          <a:blipFill>
+            <a:blip r:embed="rId3">
+              <a:alphaModFix amt="50000"/>
+              <a:extLst>
+                <a:ext uri="{96DAC541-7B7A-43D3-8B79-37D633B846F1}">
+                  <asvg:svgBlip xmlns:asvg="http://schemas.microsoft.com/office/drawing/2016/SVG/main" r:embed="rId4"/>
+                </a:ext>
+              </a:extLst>
+            </a:blip>
+            <a:stretch>
+              <a:fillRect/>
+            </a:stretch>
+          </a:blipFill>
+        </p:spPr>
+        <p:txBody>
+          <a:bodyPr/>
+          <a:lstStyle/>
+          <a:p>
+            <a:endParaRPr lang="en-GB"/>
+          </a:p>
+        </p:txBody>
+      </p:sp>
+      <p:sp>
+        <p:nvSpPr>
+          <p:cNvPr id="5" name="CasellaDiTesto 4">
+            <a:extLst>
+              <a:ext uri="{FF2B5EF4-FFF2-40B4-BE49-F238E27FC236}">
+                <a16:creationId xmlns:a16="http://schemas.microsoft.com/office/drawing/2014/main" id="{1E3633BD-E206-A953-D0BC-31C619B79EEB}"/>
+              </a:ext>
+            </a:extLst>
+          </p:cNvPr>
+          <p:cNvSpPr txBox="1"/>
+          <p:nvPr/>
+        </p:nvSpPr>
+        <p:spPr>
+          <a:xfrm>
+            <a:off x="1902619" y="1211416"/>
+            <a:ext cx="15699581" cy="1262012"/>
+          </a:xfrm>
+          <a:prstGeom prst="rect">
+            <a:avLst/>
+          </a:prstGeom>
+          <a:noFill/>
+        </p:spPr>
+        <p:txBody>
+          <a:bodyPr wrap="square">
+            <a:spAutoFit/>
+          </a:bodyPr>
+          <a:lstStyle/>
+          <a:p>
+            <a:pPr marL="0" marR="0" lvl="0" indent="0" algn="l" defTabSz="914400" rtl="0" eaLnBrk="1" fontAlgn="auto" latinLnBrk="0" hangingPunct="1">
+              <a:lnSpc>
+                <a:spcPts val="9000"/>
+              </a:lnSpc>
+              <a:spcBef>
+                <a:spcPts val="0"/>
+              </a:spcBef>
+              <a:spcAft>
+                <a:spcPts val="0"/>
+              </a:spcAft>
+              <a:buClrTx/>
+              <a:buSzTx/>
+              <a:buFontTx/>
+              <a:buNone/>
+              <a:tabLst/>
+              <a:defRPr/>
+            </a:pPr>
+            <a:r>
+              <a:rPr lang="en-US" sz="9000" dirty="0">
+                <a:solidFill>
+                  <a:srgbClr val="004AAD"/>
+                </a:solidFill>
+                <a:latin typeface="Arial Black" panose="020B0A04020102020204" pitchFamily="34" charset="0"/>
+              </a:rPr>
+              <a:t>WHAT IF I WANT TO USE</a:t>
+            </a:r>
+            <a:endParaRPr kumimoji="0" lang="en-US" sz="9000" b="0" i="0" u="none" strike="noStrike" kern="1200" cap="none" spc="0" normalizeH="0" baseline="0" noProof="0" dirty="0">
+              <a:ln>
+                <a:noFill/>
+              </a:ln>
+              <a:solidFill>
+                <a:srgbClr val="004AAD"/>
+              </a:solidFill>
+              <a:effectLst/>
+              <a:uLnTx/>
+              <a:uFillTx/>
+              <a:latin typeface="Arial Black" panose="020B0A04020102020204" pitchFamily="34" charset="0"/>
+            </a:endParaRPr>
+          </a:p>
+        </p:txBody>
+      </p:sp>
+      <p:sp>
+        <p:nvSpPr>
+          <p:cNvPr id="7" name="CasellaDiTesto 6">
+            <a:extLst>
+              <a:ext uri="{FF2B5EF4-FFF2-40B4-BE49-F238E27FC236}">
+                <a16:creationId xmlns:a16="http://schemas.microsoft.com/office/drawing/2014/main" id="{1ED2C51D-1145-98AA-08DC-8A1C65AE64F5}"/>
+              </a:ext>
+            </a:extLst>
+          </p:cNvPr>
+          <p:cNvSpPr txBox="1"/>
+          <p:nvPr/>
+        </p:nvSpPr>
+        <p:spPr>
+          <a:xfrm>
+            <a:off x="1902618" y="3238500"/>
+            <a:ext cx="10441781" cy="1160639"/>
+          </a:xfrm>
+          <a:prstGeom prst="rect">
+            <a:avLst/>
+          </a:prstGeom>
+          <a:noFill/>
+        </p:spPr>
+        <p:txBody>
+          <a:bodyPr wrap="square">
+            <a:spAutoFit/>
+          </a:bodyPr>
+          <a:lstStyle/>
+          <a:p>
+            <a:pPr marL="0" marR="0" lvl="0" indent="0" algn="l" defTabSz="914400" rtl="0" eaLnBrk="1" fontAlgn="auto" latinLnBrk="0" hangingPunct="1">
+              <a:lnSpc>
+                <a:spcPts val="9000"/>
+              </a:lnSpc>
+              <a:spcBef>
+                <a:spcPts val="0"/>
+              </a:spcBef>
+              <a:spcAft>
+                <a:spcPts val="0"/>
+              </a:spcAft>
+              <a:buClrTx/>
+              <a:buSzTx/>
+              <a:buFontTx/>
+              <a:buNone/>
+              <a:tabLst/>
+              <a:defRPr/>
+            </a:pPr>
+            <a:r>
+              <a:rPr kumimoji="0" lang="en-US" sz="6000" b="0" i="0" u="none" strike="noStrike" kern="1200" cap="none" spc="0" normalizeH="0" baseline="0" noProof="0" dirty="0">
+                <a:ln>
+                  <a:noFill/>
+                </a:ln>
+                <a:solidFill>
+                  <a:srgbClr val="004AAD"/>
+                </a:solidFill>
+                <a:effectLst/>
+                <a:uLnTx/>
+                <a:uFillTx/>
+                <a:latin typeface="Arial Black" panose="020B0A04020102020204" pitchFamily="34" charset="0"/>
+              </a:rPr>
+              <a:t>A NEW PATTERN</a:t>
+            </a:r>
+          </a:p>
+        </p:txBody>
+      </p:sp>
+      <p:sp>
+        <p:nvSpPr>
+          <p:cNvPr id="9" name="CasellaDiTesto 8">
+            <a:extLst>
+              <a:ext uri="{FF2B5EF4-FFF2-40B4-BE49-F238E27FC236}">
+                <a16:creationId xmlns:a16="http://schemas.microsoft.com/office/drawing/2014/main" id="{26921D16-947B-AAE9-DF2D-86987225B468}"/>
+              </a:ext>
+            </a:extLst>
+          </p:cNvPr>
+          <p:cNvSpPr txBox="1"/>
+          <p:nvPr/>
+        </p:nvSpPr>
+        <p:spPr>
+          <a:xfrm>
+            <a:off x="1902619" y="4305300"/>
+            <a:ext cx="13032581" cy="1160639"/>
+          </a:xfrm>
+          <a:prstGeom prst="rect">
+            <a:avLst/>
+          </a:prstGeom>
+          <a:noFill/>
+        </p:spPr>
+        <p:txBody>
+          <a:bodyPr wrap="square">
+            <a:spAutoFit/>
+          </a:bodyPr>
+          <a:lstStyle/>
+          <a:p>
+            <a:pPr marL="0" marR="0" lvl="0" indent="0" algn="l" defTabSz="914400" rtl="0" eaLnBrk="1" fontAlgn="auto" latinLnBrk="0" hangingPunct="1">
+              <a:lnSpc>
+                <a:spcPts val="9000"/>
+              </a:lnSpc>
+              <a:spcBef>
+                <a:spcPts val="0"/>
+              </a:spcBef>
+              <a:spcAft>
+                <a:spcPts val="0"/>
+              </a:spcAft>
+              <a:buClrTx/>
+              <a:buSzTx/>
+              <a:buFontTx/>
+              <a:buNone/>
+              <a:tabLst/>
+              <a:defRPr/>
+            </a:pPr>
+            <a:r>
+              <a:rPr lang="en-US" sz="6000" dirty="0">
+                <a:solidFill>
+                  <a:schemeClr val="accent6">
+                    <a:lumMod val="75000"/>
+                  </a:schemeClr>
+                </a:solidFill>
+                <a:latin typeface="Arial Black" panose="020B0A04020102020204" pitchFamily="34" charset="0"/>
+              </a:rPr>
+              <a:t>BUT WITH AN OLD DATA SET?</a:t>
+            </a:r>
+            <a:endParaRPr kumimoji="0" lang="en-US" sz="6000" b="0" i="0" u="none" strike="noStrike" kern="1200" cap="none" spc="0" normalizeH="0" baseline="0" noProof="0" dirty="0">
+              <a:ln>
+                <a:noFill/>
+              </a:ln>
+              <a:solidFill>
+                <a:schemeClr val="accent6">
+                  <a:lumMod val="75000"/>
+                </a:schemeClr>
+              </a:solidFill>
+              <a:effectLst/>
+              <a:uLnTx/>
+              <a:uFillTx/>
+              <a:latin typeface="Arial Black" panose="020B0A04020102020204" pitchFamily="34" charset="0"/>
+            </a:endParaRPr>
+          </a:p>
+        </p:txBody>
+      </p:sp>
+      <p:sp>
+        <p:nvSpPr>
+          <p:cNvPr id="11" name="CasellaDiTesto 10">
+            <a:extLst>
+              <a:ext uri="{FF2B5EF4-FFF2-40B4-BE49-F238E27FC236}">
+                <a16:creationId xmlns:a16="http://schemas.microsoft.com/office/drawing/2014/main" id="{622BA16A-46BD-C862-3EBA-394AD37B0744}"/>
+              </a:ext>
+            </a:extLst>
+          </p:cNvPr>
+          <p:cNvSpPr txBox="1"/>
+          <p:nvPr/>
+        </p:nvSpPr>
+        <p:spPr>
+          <a:xfrm>
+            <a:off x="10134600" y="6479326"/>
+            <a:ext cx="10136980" cy="1160639"/>
+          </a:xfrm>
+          <a:prstGeom prst="rect">
+            <a:avLst/>
+          </a:prstGeom>
+          <a:noFill/>
+        </p:spPr>
+        <p:txBody>
+          <a:bodyPr wrap="square">
+            <a:spAutoFit/>
+          </a:bodyPr>
+          <a:lstStyle/>
+          <a:p>
+            <a:pPr marL="0" marR="0" lvl="0" indent="0" algn="l" defTabSz="914400" rtl="0" eaLnBrk="1" fontAlgn="auto" latinLnBrk="0" hangingPunct="1">
+              <a:lnSpc>
+                <a:spcPts val="9000"/>
+              </a:lnSpc>
+              <a:spcBef>
+                <a:spcPts val="0"/>
+              </a:spcBef>
+              <a:spcAft>
+                <a:spcPts val="0"/>
+              </a:spcAft>
+              <a:buClrTx/>
+              <a:buSzTx/>
+              <a:buFontTx/>
+              <a:buNone/>
+              <a:tabLst/>
+              <a:defRPr/>
+            </a:pPr>
+            <a:r>
+              <a:rPr kumimoji="0" lang="en-US" sz="6000" b="0" i="0" u="none" strike="noStrike" kern="1200" cap="none" spc="0" normalizeH="0" baseline="0" noProof="0" dirty="0">
+                <a:ln>
+                  <a:noFill/>
+                </a:ln>
+                <a:solidFill>
+                  <a:srgbClr val="004AAD"/>
+                </a:solidFill>
+                <a:effectLst/>
+                <a:uLnTx/>
+                <a:uFillTx/>
+                <a:latin typeface="Arial Black" panose="020B0A04020102020204" pitchFamily="34" charset="0"/>
+              </a:rPr>
+              <a:t>A NEW DATA SET</a:t>
+            </a:r>
+          </a:p>
+        </p:txBody>
+      </p:sp>
+      <p:sp>
+        <p:nvSpPr>
+          <p:cNvPr id="14" name="CasellaDiTesto 13">
+            <a:extLst>
+              <a:ext uri="{FF2B5EF4-FFF2-40B4-BE49-F238E27FC236}">
+                <a16:creationId xmlns:a16="http://schemas.microsoft.com/office/drawing/2014/main" id="{E1B3BE47-3ED7-11A6-2285-479BED4E1B16}"/>
+              </a:ext>
+            </a:extLst>
+          </p:cNvPr>
+          <p:cNvSpPr txBox="1"/>
+          <p:nvPr/>
+        </p:nvSpPr>
+        <p:spPr>
+          <a:xfrm>
+            <a:off x="4495800" y="7397749"/>
+            <a:ext cx="13258800" cy="1160639"/>
+          </a:xfrm>
+          <a:prstGeom prst="rect">
+            <a:avLst/>
+          </a:prstGeom>
+          <a:noFill/>
+        </p:spPr>
+        <p:txBody>
+          <a:bodyPr wrap="square">
+            <a:spAutoFit/>
+          </a:bodyPr>
+          <a:lstStyle/>
+          <a:p>
+            <a:pPr marL="0" marR="0" lvl="0" indent="0" algn="l" defTabSz="914400" rtl="0" eaLnBrk="1" fontAlgn="auto" latinLnBrk="0" hangingPunct="1">
+              <a:lnSpc>
+                <a:spcPts val="9000"/>
+              </a:lnSpc>
+              <a:spcBef>
+                <a:spcPts val="0"/>
+              </a:spcBef>
+              <a:spcAft>
+                <a:spcPts val="0"/>
+              </a:spcAft>
+              <a:buClrTx/>
+              <a:buSzTx/>
+              <a:buFontTx/>
+              <a:buNone/>
+              <a:tabLst/>
+              <a:defRPr/>
+            </a:pPr>
+            <a:r>
+              <a:rPr kumimoji="0" lang="en-US" sz="6000" b="0" i="0" u="none" strike="noStrike" kern="1200" cap="none" spc="0" normalizeH="0" baseline="0" noProof="0" dirty="0">
+                <a:ln>
+                  <a:noFill/>
+                </a:ln>
+                <a:solidFill>
                   <a:schemeClr val="accent6">
                     <a:lumMod val="75000"/>
                   </a:schemeClr>
@@ -4430,10 +5491,10 @@
       </p:sp>
       <p:sp>
         <p:nvSpPr>
-          <p:cNvPr id="17" name="Segnaposto numero diapositiva 16">
+          <p:cNvPr id="3" name="Segnaposto numero diapositiva 10">
             <a:extLst>
               <a:ext uri="{FF2B5EF4-FFF2-40B4-BE49-F238E27FC236}">
-                <a16:creationId xmlns:a16="http://schemas.microsoft.com/office/drawing/2014/main" id="{70494855-CE28-68FC-6640-81CCC377B60D}"/>
+                <a16:creationId xmlns:a16="http://schemas.microsoft.com/office/drawing/2014/main" id="{46C4A1B3-9D8F-552E-61FA-00D2770E904F}"/>
               </a:ext>
             </a:extLst>
           </p:cNvPr>
@@ -4446,7 +5507,7 @@
         </p:nvSpPr>
         <p:spPr>
           <a:xfrm>
-            <a:off x="15468600" y="9463822"/>
+            <a:off x="15773400" y="9639300"/>
             <a:ext cx="2133600" cy="365125"/>
           </a:xfrm>
         </p:spPr>
@@ -4457,7 +5518,7 @@
             <a:fld id="{B6F15528-21DE-4FAA-801E-634DDDAF4B2B}" type="slidenum">
               <a:rPr lang="en-US" smtClean="0"/>
               <a:pPr/>
-              <a:t>10</a:t>
+              <a:t>11</a:t>
             </a:fld>
             <a:endParaRPr lang="en-US" dirty="0"/>
           </a:p>
@@ -4724,7 +5785,7 @@
 </p:sld>
 </file>
 
-<file path=ppt/slides/slide11.xml><?xml version="1.0" encoding="utf-8"?>
+<file path=ppt/slides/slide12.xml><?xml version="1.0" encoding="utf-8"?>
 <p:sld xmlns:a="http://schemas.openxmlformats.org/drawingml/2006/main" xmlns:r="http://schemas.openxmlformats.org/officeDocument/2006/relationships" xmlns:p="http://schemas.openxmlformats.org/presentationml/2006/main">
   <p:cSld>
     <p:spTree>
@@ -5918,10 +6979,10 @@
       </p:grpSp>
       <p:sp>
         <p:nvSpPr>
-          <p:cNvPr id="32" name="Segnaposto numero diapositiva 31">
+          <p:cNvPr id="6" name="Segnaposto numero diapositiva 10">
             <a:extLst>
               <a:ext uri="{FF2B5EF4-FFF2-40B4-BE49-F238E27FC236}">
-                <a16:creationId xmlns:a16="http://schemas.microsoft.com/office/drawing/2014/main" id="{B1BB3CC7-3B5C-8A13-DCA8-080371C0C030}"/>
+                <a16:creationId xmlns:a16="http://schemas.microsoft.com/office/drawing/2014/main" id="{AB5FBC22-9ED9-B53F-F9AE-FD5ECF057560}"/>
               </a:ext>
             </a:extLst>
           </p:cNvPr>
@@ -5934,7 +6995,7 @@
         </p:nvSpPr>
         <p:spPr>
           <a:xfrm>
-            <a:off x="15683081" y="9543709"/>
+            <a:off x="15773400" y="9639300"/>
             <a:ext cx="2133600" cy="365125"/>
           </a:xfrm>
         </p:spPr>
@@ -5945,7 +7006,7 @@
             <a:fld id="{B6F15528-21DE-4FAA-801E-634DDDAF4B2B}" type="slidenum">
               <a:rPr lang="en-US" smtClean="0"/>
               <a:pPr/>
-              <a:t>11</a:t>
+              <a:t>12</a:t>
             </a:fld>
             <a:endParaRPr lang="en-US" dirty="0"/>
           </a:p>
@@ -6037,7 +7098,7 @@
 </p:sld>
 </file>
 
-<file path=ppt/slides/slide12.xml><?xml version="1.0" encoding="utf-8"?>
+<file path=ppt/slides/slide13.xml><?xml version="1.0" encoding="utf-8"?>
 <p:sld xmlns:a="http://schemas.openxmlformats.org/drawingml/2006/main" xmlns:r="http://schemas.openxmlformats.org/officeDocument/2006/relationships" xmlns:p="http://schemas.openxmlformats.org/presentationml/2006/main">
   <p:cSld>
     <p:spTree>
@@ -6054,41 +7115,6 @@
           <a:chExt cx="0" cy="0"/>
         </a:xfrm>
       </p:grpSpPr>
-      <p:sp>
-        <p:nvSpPr>
-          <p:cNvPr id="2" name="Segnaposto numero diapositiva 1">
-            <a:extLst>
-              <a:ext uri="{FF2B5EF4-FFF2-40B4-BE49-F238E27FC236}">
-                <a16:creationId xmlns:a16="http://schemas.microsoft.com/office/drawing/2014/main" id="{3E6D42F8-029D-65D1-E4AF-38FBAB05380A}"/>
-              </a:ext>
-            </a:extLst>
-          </p:cNvPr>
-          <p:cNvSpPr>
-            <a:spLocks noGrp="1"/>
-          </p:cNvSpPr>
-          <p:nvPr>
-            <p:ph type="sldNum" sz="quarter" idx="12"/>
-          </p:nvPr>
-        </p:nvSpPr>
-        <p:spPr>
-          <a:xfrm>
-            <a:off x="15544800" y="9410700"/>
-            <a:ext cx="2133600" cy="365125"/>
-          </a:xfrm>
-        </p:spPr>
-        <p:txBody>
-          <a:bodyPr/>
-          <a:lstStyle/>
-          <a:p>
-            <a:fld id="{B6F15528-21DE-4FAA-801E-634DDDAF4B2B}" type="slidenum">
-              <a:rPr lang="en-US" smtClean="0"/>
-              <a:pPr/>
-              <a:t>12</a:t>
-            </a:fld>
-            <a:endParaRPr lang="en-US"/>
-          </a:p>
-        </p:txBody>
-      </p:sp>
       <p:sp>
         <p:nvSpPr>
           <p:cNvPr id="4" name="CasellaDiTesto 3">
@@ -6314,6 +7340,356 @@
         <p:spPr>
           <a:xfrm rot="4960581">
             <a:off x="-5055660" y="-5325253"/>
+            <a:ext cx="9495369" cy="7717145"/>
+          </a:xfrm>
+          <a:custGeom>
+            <a:avLst/>
+            <a:gdLst/>
+            <a:ahLst/>
+            <a:cxnLst/>
+            <a:rect l="l" t="t" r="r" b="b"/>
+            <a:pathLst>
+              <a:path w="9495369" h="7717145">
+                <a:moveTo>
+                  <a:pt x="0" y="0"/>
+                </a:moveTo>
+                <a:lnTo>
+                  <a:pt x="9495369" y="0"/>
+                </a:lnTo>
+                <a:lnTo>
+                  <a:pt x="9495369" y="7717145"/>
+                </a:lnTo>
+                <a:lnTo>
+                  <a:pt x="0" y="7717145"/>
+                </a:lnTo>
+                <a:lnTo>
+                  <a:pt x="0" y="0"/>
+                </a:lnTo>
+                <a:close/>
+              </a:path>
+            </a:pathLst>
+          </a:custGeom>
+          <a:blipFill>
+            <a:blip r:embed="rId3">
+              <a:alphaModFix amt="50000"/>
+              <a:extLst>
+                <a:ext uri="{96DAC541-7B7A-43D3-8B79-37D633B846F1}">
+                  <asvg:svgBlip xmlns:asvg="http://schemas.microsoft.com/office/drawing/2016/SVG/main" r:embed="rId4"/>
+                </a:ext>
+              </a:extLst>
+            </a:blip>
+            <a:stretch>
+              <a:fillRect/>
+            </a:stretch>
+          </a:blipFill>
+        </p:spPr>
+        <p:txBody>
+          <a:bodyPr/>
+          <a:lstStyle/>
+          <a:p>
+            <a:endParaRPr lang="en-GB"/>
+          </a:p>
+        </p:txBody>
+      </p:sp>
+      <p:sp>
+        <p:nvSpPr>
+          <p:cNvPr id="8" name="Freeform 4">
+            <a:extLst>
+              <a:ext uri="{FF2B5EF4-FFF2-40B4-BE49-F238E27FC236}">
+                <a16:creationId xmlns:a16="http://schemas.microsoft.com/office/drawing/2014/main" id="{7A29861A-390E-EEBF-9253-99D1B9A55086}"/>
+              </a:ext>
+            </a:extLst>
+          </p:cNvPr>
+          <p:cNvSpPr/>
+          <p:nvPr/>
+        </p:nvSpPr>
+        <p:spPr>
+          <a:xfrm rot="16388099">
+            <a:off x="6908557" y="8827327"/>
+            <a:ext cx="9495369" cy="7717145"/>
+          </a:xfrm>
+          <a:custGeom>
+            <a:avLst/>
+            <a:gdLst/>
+            <a:ahLst/>
+            <a:cxnLst/>
+            <a:rect l="l" t="t" r="r" b="b"/>
+            <a:pathLst>
+              <a:path w="9495369" h="7717145">
+                <a:moveTo>
+                  <a:pt x="0" y="0"/>
+                </a:moveTo>
+                <a:lnTo>
+                  <a:pt x="9495369" y="0"/>
+                </a:lnTo>
+                <a:lnTo>
+                  <a:pt x="9495369" y="7717145"/>
+                </a:lnTo>
+                <a:lnTo>
+                  <a:pt x="0" y="7717145"/>
+                </a:lnTo>
+                <a:lnTo>
+                  <a:pt x="0" y="0"/>
+                </a:lnTo>
+                <a:close/>
+              </a:path>
+            </a:pathLst>
+          </a:custGeom>
+          <a:blipFill>
+            <a:blip r:embed="rId3">
+              <a:alphaModFix amt="50000"/>
+              <a:extLst>
+                <a:ext uri="{96DAC541-7B7A-43D3-8B79-37D633B846F1}">
+                  <asvg:svgBlip xmlns:asvg="http://schemas.microsoft.com/office/drawing/2016/SVG/main" r:embed="rId4"/>
+                </a:ext>
+              </a:extLst>
+            </a:blip>
+            <a:stretch>
+              <a:fillRect/>
+            </a:stretch>
+          </a:blipFill>
+        </p:spPr>
+        <p:txBody>
+          <a:bodyPr/>
+          <a:lstStyle/>
+          <a:p>
+            <a:endParaRPr lang="en-GB"/>
+          </a:p>
+        </p:txBody>
+      </p:sp>
+      <p:sp>
+        <p:nvSpPr>
+          <p:cNvPr id="3" name="Segnaposto numero diapositiva 10">
+            <a:extLst>
+              <a:ext uri="{FF2B5EF4-FFF2-40B4-BE49-F238E27FC236}">
+                <a16:creationId xmlns:a16="http://schemas.microsoft.com/office/drawing/2014/main" id="{D0EDDC06-DCA6-9089-D5C9-4AB130A3D38B}"/>
+              </a:ext>
+            </a:extLst>
+          </p:cNvPr>
+          <p:cNvSpPr>
+            <a:spLocks noGrp="1"/>
+          </p:cNvSpPr>
+          <p:nvPr>
+            <p:ph type="sldNum" sz="quarter" idx="12"/>
+          </p:nvPr>
+        </p:nvSpPr>
+        <p:spPr>
+          <a:xfrm>
+            <a:off x="15773400" y="9639300"/>
+            <a:ext cx="2133600" cy="365125"/>
+          </a:xfrm>
+        </p:spPr>
+        <p:txBody>
+          <a:bodyPr/>
+          <a:lstStyle/>
+          <a:p>
+            <a:fld id="{B6F15528-21DE-4FAA-801E-634DDDAF4B2B}" type="slidenum">
+              <a:rPr lang="en-US" smtClean="0"/>
+              <a:pPr/>
+              <a:t>13</a:t>
+            </a:fld>
+            <a:endParaRPr lang="en-US" dirty="0"/>
+          </a:p>
+        </p:txBody>
+      </p:sp>
+    </p:spTree>
+    <p:extLst>
+      <p:ext uri="{BB962C8B-B14F-4D97-AF65-F5344CB8AC3E}">
+        <p14:creationId xmlns:p14="http://schemas.microsoft.com/office/powerpoint/2010/main" val="3904236403"/>
+      </p:ext>
+    </p:extLst>
+  </p:cSld>
+  <p:clrMapOvr>
+    <a:masterClrMapping/>
+  </p:clrMapOvr>
+</p:sld>
+</file>
+
+<file path=ppt/slides/slide14.xml><?xml version="1.0" encoding="utf-8"?>
+<p:sld xmlns:a="http://schemas.openxmlformats.org/drawingml/2006/main" xmlns:r="http://schemas.openxmlformats.org/officeDocument/2006/relationships" xmlns:p="http://schemas.openxmlformats.org/presentationml/2006/main">
+  <p:cSld>
+    <p:spTree>
+      <p:nvGrpSpPr>
+        <p:cNvPr id="1" name=""/>
+        <p:cNvGrpSpPr/>
+        <p:nvPr/>
+      </p:nvGrpSpPr>
+      <p:grpSpPr>
+        <a:xfrm>
+          <a:off x="0" y="0"/>
+          <a:ext cx="0" cy="0"/>
+          <a:chOff x="0" y="0"/>
+          <a:chExt cx="0" cy="0"/>
+        </a:xfrm>
+      </p:grpSpPr>
+      <p:sp>
+        <p:nvSpPr>
+          <p:cNvPr id="4" name="CasellaDiTesto 3">
+            <a:extLst>
+              <a:ext uri="{FF2B5EF4-FFF2-40B4-BE49-F238E27FC236}">
+                <a16:creationId xmlns:a16="http://schemas.microsoft.com/office/drawing/2014/main" id="{AB7B06E3-B7B9-E8B4-EA4F-3F566F0A7EF2}"/>
+              </a:ext>
+            </a:extLst>
+          </p:cNvPr>
+          <p:cNvSpPr txBox="1"/>
+          <p:nvPr/>
+        </p:nvSpPr>
+        <p:spPr>
+          <a:xfrm>
+            <a:off x="2190750" y="2857500"/>
+            <a:ext cx="13906500" cy="2436436"/>
+          </a:xfrm>
+          <a:prstGeom prst="rect">
+            <a:avLst/>
+          </a:prstGeom>
+          <a:noFill/>
+        </p:spPr>
+        <p:txBody>
+          <a:bodyPr wrap="square">
+            <a:spAutoFit/>
+          </a:bodyPr>
+          <a:lstStyle/>
+          <a:p>
+            <a:pPr marL="0" marR="0" lvl="0" indent="0" algn="ctr" defTabSz="914400" rtl="0" eaLnBrk="1" fontAlgn="auto" latinLnBrk="0" hangingPunct="1">
+              <a:lnSpc>
+                <a:spcPts val="9000"/>
+              </a:lnSpc>
+              <a:spcBef>
+                <a:spcPts val="0"/>
+              </a:spcBef>
+              <a:spcAft>
+                <a:spcPts val="0"/>
+              </a:spcAft>
+              <a:buClrTx/>
+              <a:buSzTx/>
+              <a:buFontTx/>
+              <a:buNone/>
+              <a:tabLst/>
+              <a:defRPr/>
+            </a:pPr>
+            <a:r>
+              <a:rPr kumimoji="0" lang="en-US" sz="8000" b="0" i="0" u="none" strike="noStrike" kern="1200" cap="none" spc="0" normalizeH="0" baseline="0" noProof="0" dirty="0">
+                <a:ln>
+                  <a:noFill/>
+                </a:ln>
+                <a:solidFill>
+                  <a:srgbClr val="004AAD"/>
+                </a:solidFill>
+                <a:effectLst/>
+                <a:uLnTx/>
+                <a:uFillTx/>
+                <a:latin typeface="Arial Black" panose="020B0A04020102020204" pitchFamily="34" charset="0"/>
+              </a:rPr>
+              <a:t>THANK YOU FOR YOUR </a:t>
+            </a:r>
+            <a:r>
+              <a:rPr kumimoji="0" lang="en-US" sz="9600" b="0" i="0" u="none" strike="noStrike" kern="1200" cap="none" spc="0" normalizeH="0" baseline="0" noProof="0" dirty="0">
+                <a:ln>
+                  <a:noFill/>
+                </a:ln>
+                <a:solidFill>
+                  <a:srgbClr val="004AAD"/>
+                </a:solidFill>
+                <a:effectLst/>
+                <a:uLnTx/>
+                <a:uFillTx/>
+                <a:latin typeface="Arial Black" panose="020B0A04020102020204" pitchFamily="34" charset="0"/>
+              </a:rPr>
+              <a:t>ATTENTION</a:t>
+            </a:r>
+            <a:endParaRPr kumimoji="0" lang="en-US" sz="8000" b="0" i="0" u="none" strike="noStrike" kern="1200" cap="none" spc="0" normalizeH="0" baseline="0" noProof="0" dirty="0">
+              <a:ln>
+                <a:noFill/>
+              </a:ln>
+              <a:solidFill>
+                <a:srgbClr val="004AAD"/>
+              </a:solidFill>
+              <a:effectLst/>
+              <a:uLnTx/>
+              <a:uFillTx/>
+              <a:latin typeface="Arial Black" panose="020B0A04020102020204" pitchFamily="34" charset="0"/>
+            </a:endParaRPr>
+          </a:p>
+        </p:txBody>
+      </p:sp>
+      <p:sp>
+        <p:nvSpPr>
+          <p:cNvPr id="6" name="CasellaDiTesto 5">
+            <a:extLst>
+              <a:ext uri="{FF2B5EF4-FFF2-40B4-BE49-F238E27FC236}">
+                <a16:creationId xmlns:a16="http://schemas.microsoft.com/office/drawing/2014/main" id="{771F19B6-4F6C-4730-E3E8-48CE8F1DE9F1}"/>
+              </a:ext>
+            </a:extLst>
+          </p:cNvPr>
+          <p:cNvSpPr txBox="1"/>
+          <p:nvPr/>
+        </p:nvSpPr>
+        <p:spPr>
+          <a:xfrm>
+            <a:off x="1447800" y="8343900"/>
+            <a:ext cx="9144000" cy="922560"/>
+          </a:xfrm>
+          <a:prstGeom prst="rect">
+            <a:avLst/>
+          </a:prstGeom>
+          <a:noFill/>
+        </p:spPr>
+        <p:txBody>
+          <a:bodyPr wrap="square">
+            <a:spAutoFit/>
+          </a:bodyPr>
+          <a:lstStyle/>
+          <a:p>
+            <a:pPr>
+              <a:lnSpc>
+                <a:spcPts val="3499"/>
+              </a:lnSpc>
+            </a:pPr>
+            <a:r>
+              <a:rPr lang="en-US" sz="1800" spc="124" dirty="0">
+                <a:solidFill>
+                  <a:srgbClr val="2E2E2E"/>
+                </a:solidFill>
+                <a:latin typeface="Arial" panose="020B0604020202020204" pitchFamily="34" charset="0"/>
+                <a:cs typeface="Arial" panose="020B0604020202020204" pitchFamily="34" charset="0"/>
+              </a:rPr>
+              <a:t>marco.labarbera@mail.polimi.it</a:t>
+            </a:r>
+          </a:p>
+          <a:p>
+            <a:pPr>
+              <a:lnSpc>
+                <a:spcPts val="3499"/>
+              </a:lnSpc>
+            </a:pPr>
+            <a:r>
+              <a:rPr lang="en-US" sz="1800" spc="124" dirty="0">
+                <a:solidFill>
+                  <a:srgbClr val="2E2E2E"/>
+                </a:solidFill>
+                <a:latin typeface="Arial" panose="020B0604020202020204" pitchFamily="34" charset="0"/>
+                <a:cs typeface="Arial" panose="020B0604020202020204" pitchFamily="34" charset="0"/>
+              </a:rPr>
+              <a:t>giulio.lotto@mail.polimi.it</a:t>
+            </a:r>
+          </a:p>
+        </p:txBody>
+      </p:sp>
+      <p:sp>
+        <p:nvSpPr>
+          <p:cNvPr id="7" name="Freeform 4">
+            <a:extLst>
+              <a:ext uri="{FF2B5EF4-FFF2-40B4-BE49-F238E27FC236}">
+                <a16:creationId xmlns:a16="http://schemas.microsoft.com/office/drawing/2014/main" id="{972E91E2-5AE2-E580-D574-A8EE0EA4058F}"/>
+              </a:ext>
+            </a:extLst>
+          </p:cNvPr>
+          <p:cNvSpPr/>
+          <p:nvPr/>
+        </p:nvSpPr>
+        <p:spPr>
+          <a:xfrm rot="16388099">
+            <a:off x="6451357" y="6227002"/>
             <a:ext cx="9495369" cy="7717145"/>
           </a:xfrm>
           <a:custGeom>
@@ -6367,19 +7743,154 @@
       </p:sp>
       <p:sp>
         <p:nvSpPr>
-          <p:cNvPr id="8" name="Freeform 4">
+          <p:cNvPr id="3" name="Segnaposto numero diapositiva 10">
             <a:extLst>
               <a:ext uri="{FF2B5EF4-FFF2-40B4-BE49-F238E27FC236}">
-                <a16:creationId xmlns:a16="http://schemas.microsoft.com/office/drawing/2014/main" id="{7A29861A-390E-EEBF-9253-99D1B9A55086}"/>
+                <a16:creationId xmlns:a16="http://schemas.microsoft.com/office/drawing/2014/main" id="{B6215C30-F92A-4744-8F65-A8A009C45CFF}"/>
               </a:ext>
             </a:extLst>
           </p:cNvPr>
+          <p:cNvSpPr>
+            <a:spLocks noGrp="1"/>
+          </p:cNvSpPr>
+          <p:nvPr>
+            <p:ph type="sldNum" sz="quarter" idx="12"/>
+          </p:nvPr>
+        </p:nvSpPr>
+        <p:spPr>
+          <a:xfrm>
+            <a:off x="15773400" y="9639300"/>
+            <a:ext cx="2133600" cy="365125"/>
+          </a:xfrm>
+        </p:spPr>
+        <p:txBody>
+          <a:bodyPr/>
+          <a:lstStyle/>
+          <a:p>
+            <a:fld id="{B6F15528-21DE-4FAA-801E-634DDDAF4B2B}" type="slidenum">
+              <a:rPr lang="en-US" smtClean="0"/>
+              <a:pPr/>
+              <a:t>14</a:t>
+            </a:fld>
+            <a:endParaRPr lang="en-US" dirty="0"/>
+          </a:p>
+        </p:txBody>
+      </p:sp>
+    </p:spTree>
+    <p:extLst>
+      <p:ext uri="{BB962C8B-B14F-4D97-AF65-F5344CB8AC3E}">
+        <p14:creationId xmlns:p14="http://schemas.microsoft.com/office/powerpoint/2010/main" val="3426841679"/>
+      </p:ext>
+    </p:extLst>
+  </p:cSld>
+  <p:clrMapOvr>
+    <a:masterClrMapping/>
+  </p:clrMapOvr>
+</p:sld>
+</file>
+
+<file path=ppt/slides/slide2.xml><?xml version="1.0" encoding="utf-8"?>
+<p:sld xmlns:a="http://schemas.openxmlformats.org/drawingml/2006/main" xmlns:r="http://schemas.openxmlformats.org/officeDocument/2006/relationships" xmlns:p="http://schemas.openxmlformats.org/presentationml/2006/main">
+  <p:cSld>
+    <p:spTree>
+      <p:nvGrpSpPr>
+        <p:cNvPr id="1" name=""/>
+        <p:cNvGrpSpPr/>
+        <p:nvPr/>
+      </p:nvGrpSpPr>
+      <p:grpSpPr>
+        <a:xfrm>
+          <a:off x="0" y="0"/>
+          <a:ext cx="0" cy="0"/>
+          <a:chOff x="0" y="0"/>
+          <a:chExt cx="0" cy="0"/>
+        </a:xfrm>
+      </p:grpSpPr>
+      <p:sp>
+        <p:nvSpPr>
+          <p:cNvPr id="2" name="TextBox 2"/>
+          <p:cNvSpPr txBox="1"/>
+          <p:nvPr/>
+        </p:nvSpPr>
+        <p:spPr>
+          <a:xfrm>
+            <a:off x="1028700" y="1637542"/>
+            <a:ext cx="12230230" cy="1209675"/>
+          </a:xfrm>
+          <a:prstGeom prst="rect">
+            <a:avLst/>
+          </a:prstGeom>
+        </p:spPr>
+        <p:txBody>
+          <a:bodyPr lIns="0" tIns="0" rIns="0" bIns="0" rtlCol="0" anchor="t">
+            <a:spAutoFit/>
+          </a:bodyPr>
+          <a:lstStyle/>
+          <a:p>
+            <a:pPr>
+              <a:lnSpc>
+                <a:spcPts val="9000"/>
+              </a:lnSpc>
+            </a:pPr>
+            <a:r>
+              <a:rPr lang="en-US" sz="9000" dirty="0">
+                <a:solidFill>
+                  <a:srgbClr val="004AAD"/>
+                </a:solidFill>
+                <a:latin typeface="Arial Black" panose="020B0A04020102020204" pitchFamily="34" charset="0"/>
+              </a:rPr>
+              <a:t>ALVEARE</a:t>
+            </a:r>
+          </a:p>
+        </p:txBody>
+      </p:sp>
+      <p:sp>
+        <p:nvSpPr>
+          <p:cNvPr id="3" name="TextBox 3"/>
+          <p:cNvSpPr txBox="1"/>
+          <p:nvPr/>
+        </p:nvSpPr>
+        <p:spPr>
+          <a:xfrm>
+            <a:off x="1028700" y="3010708"/>
+            <a:ext cx="12230230" cy="1495089"/>
+          </a:xfrm>
+          <a:prstGeom prst="rect">
+            <a:avLst/>
+          </a:prstGeom>
+        </p:spPr>
+        <p:txBody>
+          <a:bodyPr lIns="0" tIns="0" rIns="0" bIns="0" rtlCol="0" anchor="t">
+            <a:spAutoFit/>
+          </a:bodyPr>
+          <a:lstStyle/>
+          <a:p>
+            <a:pPr>
+              <a:lnSpc>
+                <a:spcPts val="3999"/>
+              </a:lnSpc>
+            </a:pPr>
+            <a:r>
+              <a:rPr lang="en-US" sz="2499" dirty="0">
+                <a:solidFill>
+                  <a:srgbClr val="2E2E2E"/>
+                </a:solidFill>
+                <a:latin typeface="Arial Black" panose="020B0A04020102020204" pitchFamily="34" charset="0"/>
+              </a:rPr>
+              <a:t>ALVEARE is a comprehensive framework that presents a solution which achieves a 34x speedup execution factors and enhances RE performance thanks to the following aspects:</a:t>
+            </a:r>
+          </a:p>
+        </p:txBody>
+      </p:sp>
+      <p:sp>
+        <p:nvSpPr>
+          <p:cNvPr id="4" name="Freeform 4"/>
           <p:cNvSpPr/>
           <p:nvPr/>
         </p:nvSpPr>
         <p:spPr>
-          <a:xfrm rot="16388099">
-            <a:off x="6908557" y="8827327"/>
+          <a:xfrm rot="-1625759">
+            <a:off x="10837013" y="-4312634"/>
             <a:ext cx="9495369" cy="7717145"/>
           </a:xfrm>
           <a:custGeom>
@@ -6431,456 +7942,6 @@
           </a:p>
         </p:txBody>
       </p:sp>
-    </p:spTree>
-    <p:extLst>
-      <p:ext uri="{BB962C8B-B14F-4D97-AF65-F5344CB8AC3E}">
-        <p14:creationId xmlns:p14="http://schemas.microsoft.com/office/powerpoint/2010/main" val="3904236403"/>
-      </p:ext>
-    </p:extLst>
-  </p:cSld>
-  <p:clrMapOvr>
-    <a:masterClrMapping/>
-  </p:clrMapOvr>
-</p:sld>
-</file>
-
-<file path=ppt/slides/slide13.xml><?xml version="1.0" encoding="utf-8"?>
-<p:sld xmlns:a="http://schemas.openxmlformats.org/drawingml/2006/main" xmlns:r="http://schemas.openxmlformats.org/officeDocument/2006/relationships" xmlns:p="http://schemas.openxmlformats.org/presentationml/2006/main">
-  <p:cSld>
-    <p:spTree>
-      <p:nvGrpSpPr>
-        <p:cNvPr id="1" name=""/>
-        <p:cNvGrpSpPr/>
-        <p:nvPr/>
-      </p:nvGrpSpPr>
-      <p:grpSpPr>
-        <a:xfrm>
-          <a:off x="0" y="0"/>
-          <a:ext cx="0" cy="0"/>
-          <a:chOff x="0" y="0"/>
-          <a:chExt cx="0" cy="0"/>
-        </a:xfrm>
-      </p:grpSpPr>
-      <p:sp>
-        <p:nvSpPr>
-          <p:cNvPr id="2" name="Segnaposto numero diapositiva 1">
-            <a:extLst>
-              <a:ext uri="{FF2B5EF4-FFF2-40B4-BE49-F238E27FC236}">
-                <a16:creationId xmlns:a16="http://schemas.microsoft.com/office/drawing/2014/main" id="{A395DD12-BBC3-EDBE-212C-93A8C15BC78D}"/>
-              </a:ext>
-            </a:extLst>
-          </p:cNvPr>
-          <p:cNvSpPr>
-            <a:spLocks noGrp="1"/>
-          </p:cNvSpPr>
-          <p:nvPr>
-            <p:ph type="sldNum" sz="quarter" idx="12"/>
-          </p:nvPr>
-        </p:nvSpPr>
-        <p:spPr>
-          <a:xfrm>
-            <a:off x="15621000" y="9639300"/>
-            <a:ext cx="2133600" cy="365125"/>
-          </a:xfrm>
-        </p:spPr>
-        <p:txBody>
-          <a:bodyPr/>
-          <a:lstStyle/>
-          <a:p>
-            <a:fld id="{B6F15528-21DE-4FAA-801E-634DDDAF4B2B}" type="slidenum">
-              <a:rPr lang="en-US" smtClean="0"/>
-              <a:pPr/>
-              <a:t>13</a:t>
-            </a:fld>
-            <a:endParaRPr lang="en-US" dirty="0"/>
-          </a:p>
-        </p:txBody>
-      </p:sp>
-      <p:sp>
-        <p:nvSpPr>
-          <p:cNvPr id="4" name="CasellaDiTesto 3">
-            <a:extLst>
-              <a:ext uri="{FF2B5EF4-FFF2-40B4-BE49-F238E27FC236}">
-                <a16:creationId xmlns:a16="http://schemas.microsoft.com/office/drawing/2014/main" id="{AB7B06E3-B7B9-E8B4-EA4F-3F566F0A7EF2}"/>
-              </a:ext>
-            </a:extLst>
-          </p:cNvPr>
-          <p:cNvSpPr txBox="1"/>
-          <p:nvPr/>
-        </p:nvSpPr>
-        <p:spPr>
-          <a:xfrm>
-            <a:off x="2190750" y="2857500"/>
-            <a:ext cx="13906500" cy="2436436"/>
-          </a:xfrm>
-          <a:prstGeom prst="rect">
-            <a:avLst/>
-          </a:prstGeom>
-          <a:noFill/>
-        </p:spPr>
-        <p:txBody>
-          <a:bodyPr wrap="square">
-            <a:spAutoFit/>
-          </a:bodyPr>
-          <a:lstStyle/>
-          <a:p>
-            <a:pPr marL="0" marR="0" lvl="0" indent="0" algn="ctr" defTabSz="914400" rtl="0" eaLnBrk="1" fontAlgn="auto" latinLnBrk="0" hangingPunct="1">
-              <a:lnSpc>
-                <a:spcPts val="9000"/>
-              </a:lnSpc>
-              <a:spcBef>
-                <a:spcPts val="0"/>
-              </a:spcBef>
-              <a:spcAft>
-                <a:spcPts val="0"/>
-              </a:spcAft>
-              <a:buClrTx/>
-              <a:buSzTx/>
-              <a:buFontTx/>
-              <a:buNone/>
-              <a:tabLst/>
-              <a:defRPr/>
-            </a:pPr>
-            <a:r>
-              <a:rPr kumimoji="0" lang="en-US" sz="8000" b="0" i="0" u="none" strike="noStrike" kern="1200" cap="none" spc="0" normalizeH="0" baseline="0" noProof="0" dirty="0">
-                <a:ln>
-                  <a:noFill/>
-                </a:ln>
-                <a:solidFill>
-                  <a:srgbClr val="004AAD"/>
-                </a:solidFill>
-                <a:effectLst/>
-                <a:uLnTx/>
-                <a:uFillTx/>
-                <a:latin typeface="Arial Black" panose="020B0A04020102020204" pitchFamily="34" charset="0"/>
-              </a:rPr>
-              <a:t>THANK YOU FOR YOUR </a:t>
-            </a:r>
-            <a:r>
-              <a:rPr kumimoji="0" lang="en-US" sz="9600" b="0" i="0" u="none" strike="noStrike" kern="1200" cap="none" spc="0" normalizeH="0" baseline="0" noProof="0" dirty="0">
-                <a:ln>
-                  <a:noFill/>
-                </a:ln>
-                <a:solidFill>
-                  <a:srgbClr val="004AAD"/>
-                </a:solidFill>
-                <a:effectLst/>
-                <a:uLnTx/>
-                <a:uFillTx/>
-                <a:latin typeface="Arial Black" panose="020B0A04020102020204" pitchFamily="34" charset="0"/>
-              </a:rPr>
-              <a:t>ATTENTION</a:t>
-            </a:r>
-            <a:endParaRPr kumimoji="0" lang="en-US" sz="8000" b="0" i="0" u="none" strike="noStrike" kern="1200" cap="none" spc="0" normalizeH="0" baseline="0" noProof="0" dirty="0">
-              <a:ln>
-                <a:noFill/>
-              </a:ln>
-              <a:solidFill>
-                <a:srgbClr val="004AAD"/>
-              </a:solidFill>
-              <a:effectLst/>
-              <a:uLnTx/>
-              <a:uFillTx/>
-              <a:latin typeface="Arial Black" panose="020B0A04020102020204" pitchFamily="34" charset="0"/>
-            </a:endParaRPr>
-          </a:p>
-        </p:txBody>
-      </p:sp>
-      <p:sp>
-        <p:nvSpPr>
-          <p:cNvPr id="6" name="CasellaDiTesto 5">
-            <a:extLst>
-              <a:ext uri="{FF2B5EF4-FFF2-40B4-BE49-F238E27FC236}">
-                <a16:creationId xmlns:a16="http://schemas.microsoft.com/office/drawing/2014/main" id="{771F19B6-4F6C-4730-E3E8-48CE8F1DE9F1}"/>
-              </a:ext>
-            </a:extLst>
-          </p:cNvPr>
-          <p:cNvSpPr txBox="1"/>
-          <p:nvPr/>
-        </p:nvSpPr>
-        <p:spPr>
-          <a:xfrm>
-            <a:off x="1447800" y="8343900"/>
-            <a:ext cx="9144000" cy="922560"/>
-          </a:xfrm>
-          <a:prstGeom prst="rect">
-            <a:avLst/>
-          </a:prstGeom>
-          <a:noFill/>
-        </p:spPr>
-        <p:txBody>
-          <a:bodyPr wrap="square">
-            <a:spAutoFit/>
-          </a:bodyPr>
-          <a:lstStyle/>
-          <a:p>
-            <a:pPr>
-              <a:lnSpc>
-                <a:spcPts val="3499"/>
-              </a:lnSpc>
-            </a:pPr>
-            <a:r>
-              <a:rPr lang="en-US" sz="1800" spc="124" dirty="0">
-                <a:solidFill>
-                  <a:srgbClr val="2E2E2E"/>
-                </a:solidFill>
-                <a:latin typeface="Arial" panose="020B0604020202020204" pitchFamily="34" charset="0"/>
-                <a:cs typeface="Arial" panose="020B0604020202020204" pitchFamily="34" charset="0"/>
-              </a:rPr>
-              <a:t>marco.labarbera@mail.polimi.it</a:t>
-            </a:r>
-          </a:p>
-          <a:p>
-            <a:pPr>
-              <a:lnSpc>
-                <a:spcPts val="3499"/>
-              </a:lnSpc>
-            </a:pPr>
-            <a:r>
-              <a:rPr lang="en-US" sz="1800" spc="124" dirty="0">
-                <a:solidFill>
-                  <a:srgbClr val="2E2E2E"/>
-                </a:solidFill>
-                <a:latin typeface="Arial" panose="020B0604020202020204" pitchFamily="34" charset="0"/>
-                <a:cs typeface="Arial" panose="020B0604020202020204" pitchFamily="34" charset="0"/>
-              </a:rPr>
-              <a:t>giulio.lotto@mail.polimi.it</a:t>
-            </a:r>
-          </a:p>
-        </p:txBody>
-      </p:sp>
-      <p:sp>
-        <p:nvSpPr>
-          <p:cNvPr id="7" name="Freeform 4">
-            <a:extLst>
-              <a:ext uri="{FF2B5EF4-FFF2-40B4-BE49-F238E27FC236}">
-                <a16:creationId xmlns:a16="http://schemas.microsoft.com/office/drawing/2014/main" id="{972E91E2-5AE2-E580-D574-A8EE0EA4058F}"/>
-              </a:ext>
-            </a:extLst>
-          </p:cNvPr>
-          <p:cNvSpPr/>
-          <p:nvPr/>
-        </p:nvSpPr>
-        <p:spPr>
-          <a:xfrm rot="16388099">
-            <a:off x="6451357" y="6227002"/>
-            <a:ext cx="9495369" cy="7717145"/>
-          </a:xfrm>
-          <a:custGeom>
-            <a:avLst/>
-            <a:gdLst/>
-            <a:ahLst/>
-            <a:cxnLst/>
-            <a:rect l="l" t="t" r="r" b="b"/>
-            <a:pathLst>
-              <a:path w="9495369" h="7717145">
-                <a:moveTo>
-                  <a:pt x="0" y="0"/>
-                </a:moveTo>
-                <a:lnTo>
-                  <a:pt x="9495369" y="0"/>
-                </a:lnTo>
-                <a:lnTo>
-                  <a:pt x="9495369" y="7717145"/>
-                </a:lnTo>
-                <a:lnTo>
-                  <a:pt x="0" y="7717145"/>
-                </a:lnTo>
-                <a:lnTo>
-                  <a:pt x="0" y="0"/>
-                </a:lnTo>
-                <a:close/>
-              </a:path>
-            </a:pathLst>
-          </a:custGeom>
-          <a:blipFill>
-            <a:blip r:embed="rId2">
-              <a:alphaModFix amt="50000"/>
-              <a:extLst>
-                <a:ext uri="{96DAC541-7B7A-43D3-8B79-37D633B846F1}">
-                  <asvg:svgBlip xmlns:asvg="http://schemas.microsoft.com/office/drawing/2016/SVG/main" r:embed="rId3"/>
-                </a:ext>
-              </a:extLst>
-            </a:blip>
-            <a:stretch>
-              <a:fillRect/>
-            </a:stretch>
-          </a:blipFill>
-        </p:spPr>
-        <p:txBody>
-          <a:bodyPr/>
-          <a:lstStyle/>
-          <a:p>
-            <a:endParaRPr lang="en-GB"/>
-          </a:p>
-        </p:txBody>
-      </p:sp>
-    </p:spTree>
-    <p:extLst>
-      <p:ext uri="{BB962C8B-B14F-4D97-AF65-F5344CB8AC3E}">
-        <p14:creationId xmlns:p14="http://schemas.microsoft.com/office/powerpoint/2010/main" val="3426841679"/>
-      </p:ext>
-    </p:extLst>
-  </p:cSld>
-  <p:clrMapOvr>
-    <a:masterClrMapping/>
-  </p:clrMapOvr>
-</p:sld>
-</file>
-
-<file path=ppt/slides/slide2.xml><?xml version="1.0" encoding="utf-8"?>
-<p:sld xmlns:a="http://schemas.openxmlformats.org/drawingml/2006/main" xmlns:r="http://schemas.openxmlformats.org/officeDocument/2006/relationships" xmlns:p="http://schemas.openxmlformats.org/presentationml/2006/main">
-  <p:cSld>
-    <p:spTree>
-      <p:nvGrpSpPr>
-        <p:cNvPr id="1" name=""/>
-        <p:cNvGrpSpPr/>
-        <p:nvPr/>
-      </p:nvGrpSpPr>
-      <p:grpSpPr>
-        <a:xfrm>
-          <a:off x="0" y="0"/>
-          <a:ext cx="0" cy="0"/>
-          <a:chOff x="0" y="0"/>
-          <a:chExt cx="0" cy="0"/>
-        </a:xfrm>
-      </p:grpSpPr>
-      <p:sp>
-        <p:nvSpPr>
-          <p:cNvPr id="2" name="TextBox 2"/>
-          <p:cNvSpPr txBox="1"/>
-          <p:nvPr/>
-        </p:nvSpPr>
-        <p:spPr>
-          <a:xfrm>
-            <a:off x="1028700" y="1637542"/>
-            <a:ext cx="12230230" cy="1209675"/>
-          </a:xfrm>
-          <a:prstGeom prst="rect">
-            <a:avLst/>
-          </a:prstGeom>
-        </p:spPr>
-        <p:txBody>
-          <a:bodyPr lIns="0" tIns="0" rIns="0" bIns="0" rtlCol="0" anchor="t">
-            <a:spAutoFit/>
-          </a:bodyPr>
-          <a:lstStyle/>
-          <a:p>
-            <a:pPr>
-              <a:lnSpc>
-                <a:spcPts val="9000"/>
-              </a:lnSpc>
-            </a:pPr>
-            <a:r>
-              <a:rPr lang="en-US" sz="9000" dirty="0">
-                <a:solidFill>
-                  <a:srgbClr val="004AAD"/>
-                </a:solidFill>
-                <a:latin typeface="Arial Black" panose="020B0A04020102020204" pitchFamily="34" charset="0"/>
-              </a:rPr>
-              <a:t>ALVEARE</a:t>
-            </a:r>
-          </a:p>
-        </p:txBody>
-      </p:sp>
-      <p:sp>
-        <p:nvSpPr>
-          <p:cNvPr id="3" name="TextBox 3"/>
-          <p:cNvSpPr txBox="1"/>
-          <p:nvPr/>
-        </p:nvSpPr>
-        <p:spPr>
-          <a:xfrm>
-            <a:off x="1028700" y="3010708"/>
-            <a:ext cx="12230230" cy="1495089"/>
-          </a:xfrm>
-          <a:prstGeom prst="rect">
-            <a:avLst/>
-          </a:prstGeom>
-        </p:spPr>
-        <p:txBody>
-          <a:bodyPr lIns="0" tIns="0" rIns="0" bIns="0" rtlCol="0" anchor="t">
-            <a:spAutoFit/>
-          </a:bodyPr>
-          <a:lstStyle/>
-          <a:p>
-            <a:pPr>
-              <a:lnSpc>
-                <a:spcPts val="3999"/>
-              </a:lnSpc>
-            </a:pPr>
-            <a:r>
-              <a:rPr lang="en-US" sz="2499" dirty="0">
-                <a:solidFill>
-                  <a:srgbClr val="2E2E2E"/>
-                </a:solidFill>
-                <a:latin typeface="Arial Black" panose="020B0A04020102020204" pitchFamily="34" charset="0"/>
-              </a:rPr>
-              <a:t>ALVEARE is a comprehensive framework that presents a solution which achieves a x34 speedup factors and enhances RE performance thanks to the following aspects:</a:t>
-            </a:r>
-          </a:p>
-        </p:txBody>
-      </p:sp>
-      <p:sp>
-        <p:nvSpPr>
-          <p:cNvPr id="4" name="Freeform 4"/>
-          <p:cNvSpPr/>
-          <p:nvPr/>
-        </p:nvSpPr>
-        <p:spPr>
-          <a:xfrm rot="-1625759">
-            <a:off x="10837013" y="-4312634"/>
-            <a:ext cx="9495369" cy="7717145"/>
-          </a:xfrm>
-          <a:custGeom>
-            <a:avLst/>
-            <a:gdLst/>
-            <a:ahLst/>
-            <a:cxnLst/>
-            <a:rect l="l" t="t" r="r" b="b"/>
-            <a:pathLst>
-              <a:path w="9495369" h="7717145">
-                <a:moveTo>
-                  <a:pt x="0" y="0"/>
-                </a:moveTo>
-                <a:lnTo>
-                  <a:pt x="9495369" y="0"/>
-                </a:lnTo>
-                <a:lnTo>
-                  <a:pt x="9495369" y="7717145"/>
-                </a:lnTo>
-                <a:lnTo>
-                  <a:pt x="0" y="7717145"/>
-                </a:lnTo>
-                <a:lnTo>
-                  <a:pt x="0" y="0"/>
-                </a:lnTo>
-                <a:close/>
-              </a:path>
-            </a:pathLst>
-          </a:custGeom>
-          <a:blipFill>
-            <a:blip r:embed="rId2">
-              <a:alphaModFix amt="50000"/>
-              <a:extLst>
-                <a:ext uri="{96DAC541-7B7A-43D3-8B79-37D633B846F1}">
-                  <asvg:svgBlip xmlns:asvg="http://schemas.microsoft.com/office/drawing/2016/SVG/main" r:embed="rId3"/>
-                </a:ext>
-              </a:extLst>
-            </a:blip>
-            <a:stretch>
-              <a:fillRect/>
-            </a:stretch>
-          </a:blipFill>
-        </p:spPr>
-        <p:txBody>
-          <a:bodyPr/>
-          <a:lstStyle/>
-          <a:p>
-            <a:endParaRPr lang="en-GB"/>
-          </a:p>
-        </p:txBody>
-      </p:sp>
       <p:sp>
         <p:nvSpPr>
           <p:cNvPr id="5" name="TextBox 5"/>
@@ -6975,10 +8036,10 @@
       </p:sp>
       <p:sp>
         <p:nvSpPr>
-          <p:cNvPr id="8" name="Segnaposto numero diapositiva 7">
+          <p:cNvPr id="7" name="Segnaposto numero diapositiva 10">
             <a:extLst>
               <a:ext uri="{FF2B5EF4-FFF2-40B4-BE49-F238E27FC236}">
-                <a16:creationId xmlns:a16="http://schemas.microsoft.com/office/drawing/2014/main" id="{9653124C-6A0C-6EFF-FE87-BDF0864BF667}"/>
+                <a16:creationId xmlns:a16="http://schemas.microsoft.com/office/drawing/2014/main" id="{B1DB59BC-8D46-0F33-8373-AF577AECB93B}"/>
               </a:ext>
             </a:extLst>
           </p:cNvPr>
@@ -6991,7 +8052,7 @@
         </p:nvSpPr>
         <p:spPr>
           <a:xfrm>
-            <a:off x="15849600" y="9639300"/>
+            <a:off x="15773400" y="9639300"/>
             <a:ext cx="2133600" cy="365125"/>
           </a:xfrm>
         </p:spPr>
@@ -7374,15 +8435,15 @@
         </p:nvSpPr>
         <p:spPr>
           <a:xfrm>
-            <a:off x="11938724" y="9013387"/>
-            <a:ext cx="4999792" cy="243203"/>
+            <a:off x="11734800" y="9029178"/>
+            <a:ext cx="5587276" cy="211083"/>
           </a:xfrm>
           <a:prstGeom prst="rect">
             <a:avLst/>
           </a:prstGeom>
         </p:spPr>
         <p:txBody>
-          <a:bodyPr lIns="0" tIns="0" rIns="0" bIns="0" rtlCol="0" anchor="t">
+          <a:bodyPr wrap="square" lIns="0" tIns="0" rIns="0" bIns="0" rtlCol="0" anchor="t">
             <a:spAutoFit/>
           </a:bodyPr>
           <a:lstStyle/>
@@ -7393,7 +8454,7 @@
               </a:lnSpc>
             </a:pPr>
             <a:r>
-              <a:rPr lang="en-US" sz="1300" u="sng">
+              <a:rPr lang="en-US" sz="1300" u="sng" dirty="0">
                 <a:solidFill>
                   <a:srgbClr val="000000"/>
                 </a:solidFill>
@@ -7407,10 +8468,10 @@
       </p:sp>
       <p:sp>
         <p:nvSpPr>
-          <p:cNvPr id="11" name="Segnaposto numero diapositiva 10">
+          <p:cNvPr id="9" name="Segnaposto numero diapositiva 10">
             <a:extLst>
               <a:ext uri="{FF2B5EF4-FFF2-40B4-BE49-F238E27FC236}">
-                <a16:creationId xmlns:a16="http://schemas.microsoft.com/office/drawing/2014/main" id="{724B611F-B8DE-7157-25D8-3BFA1373E00D}"/>
+                <a16:creationId xmlns:a16="http://schemas.microsoft.com/office/drawing/2014/main" id="{B9285C23-E592-048B-FCC8-1AA0FA348B65}"/>
               </a:ext>
             </a:extLst>
           </p:cNvPr>
@@ -7423,7 +8484,7 @@
         </p:nvSpPr>
         <p:spPr>
           <a:xfrm>
-            <a:off x="15773400" y="9589233"/>
+            <a:off x="15773400" y="9639300"/>
             <a:ext cx="2133600" cy="365125"/>
           </a:xfrm>
         </p:spPr>
@@ -7449,6 +8510,139 @@
 </file>
 
 <file path=ppt/slides/slide4.xml><?xml version="1.0" encoding="utf-8"?>
+<p:sld xmlns:a="http://schemas.openxmlformats.org/drawingml/2006/main" xmlns:r="http://schemas.openxmlformats.org/officeDocument/2006/relationships" xmlns:p="http://schemas.openxmlformats.org/presentationml/2006/main">
+  <p:cSld>
+    <p:spTree>
+      <p:nvGrpSpPr>
+        <p:cNvPr id="1" name=""/>
+        <p:cNvGrpSpPr/>
+        <p:nvPr/>
+      </p:nvGrpSpPr>
+      <p:grpSpPr>
+        <a:xfrm>
+          <a:off x="0" y="0"/>
+          <a:ext cx="0" cy="0"/>
+          <a:chOff x="0" y="0"/>
+          <a:chExt cx="0" cy="0"/>
+        </a:xfrm>
+      </p:grpSpPr>
+      <p:sp>
+        <p:nvSpPr>
+          <p:cNvPr id="2" name="Slide Number Placeholder 1">
+            <a:extLst>
+              <a:ext uri="{FF2B5EF4-FFF2-40B4-BE49-F238E27FC236}">
+                <a16:creationId xmlns:a16="http://schemas.microsoft.com/office/drawing/2014/main" id="{1665FB02-9E7E-CF5E-89D6-A329982890B0}"/>
+              </a:ext>
+            </a:extLst>
+          </p:cNvPr>
+          <p:cNvSpPr>
+            <a:spLocks noGrp="1"/>
+          </p:cNvSpPr>
+          <p:nvPr>
+            <p:ph type="sldNum" sz="quarter" idx="12"/>
+          </p:nvPr>
+        </p:nvSpPr>
+        <p:spPr/>
+        <p:txBody>
+          <a:bodyPr/>
+          <a:lstStyle/>
+          <a:p>
+            <a:fld id="{B6F15528-21DE-4FAA-801E-634DDDAF4B2B}" type="slidenum">
+              <a:rPr lang="en-US" smtClean="0"/>
+              <a:pPr/>
+              <a:t>4</a:t>
+            </a:fld>
+            <a:endParaRPr lang="en-US"/>
+          </a:p>
+        </p:txBody>
+      </p:sp>
+      <p:sp>
+        <p:nvSpPr>
+          <p:cNvPr id="3" name="TextBox 2">
+            <a:extLst>
+              <a:ext uri="{FF2B5EF4-FFF2-40B4-BE49-F238E27FC236}">
+                <a16:creationId xmlns:a16="http://schemas.microsoft.com/office/drawing/2014/main" id="{0047D61A-234A-EF08-85A9-8410E72607D8}"/>
+              </a:ext>
+            </a:extLst>
+          </p:cNvPr>
+          <p:cNvSpPr txBox="1"/>
+          <p:nvPr/>
+        </p:nvSpPr>
+        <p:spPr>
+          <a:xfrm>
+            <a:off x="7772400" y="3238500"/>
+            <a:ext cx="2013756" cy="2308324"/>
+          </a:xfrm>
+          <a:prstGeom prst="rect">
+            <a:avLst/>
+          </a:prstGeom>
+          <a:noFill/>
+        </p:spPr>
+        <p:txBody>
+          <a:bodyPr wrap="none" rtlCol="0">
+            <a:spAutoFit/>
+          </a:bodyPr>
+          <a:lstStyle/>
+          <a:p>
+            <a:r>
+              <a:rPr lang="en-GB" dirty="0"/>
+              <a:t>Slide </a:t>
+            </a:r>
+            <a:r>
+              <a:rPr lang="en-GB" dirty="0" err="1"/>
+              <a:t>presentazione</a:t>
+            </a:r>
+            <a:endParaRPr lang="en-GB" dirty="0"/>
+          </a:p>
+          <a:p>
+            <a:endParaRPr lang="en-GB" dirty="0"/>
+          </a:p>
+          <a:p>
+            <a:r>
+              <a:rPr lang="en-GB" dirty="0"/>
+              <a:t>ALU</a:t>
+            </a:r>
+          </a:p>
+          <a:p>
+            <a:endParaRPr lang="en-GB" dirty="0"/>
+          </a:p>
+          <a:p>
+            <a:endParaRPr lang="en-GB" dirty="0"/>
+          </a:p>
+          <a:p>
+            <a:r>
+              <a:rPr lang="en-GB" dirty="0"/>
+              <a:t>SIMD</a:t>
+            </a:r>
+          </a:p>
+          <a:p>
+            <a:r>
+              <a:rPr lang="en-GB" dirty="0"/>
+              <a:t>MIMD</a:t>
+            </a:r>
+          </a:p>
+          <a:p>
+            <a:r>
+              <a:rPr lang="en-GB" dirty="0"/>
+              <a:t>Dec</a:t>
+            </a:r>
+          </a:p>
+        </p:txBody>
+      </p:sp>
+    </p:spTree>
+    <p:extLst>
+      <p:ext uri="{BB962C8B-B14F-4D97-AF65-F5344CB8AC3E}">
+        <p14:creationId xmlns:p14="http://schemas.microsoft.com/office/powerpoint/2010/main" val="543009651"/>
+      </p:ext>
+    </p:extLst>
+  </p:cSld>
+  <p:clrMapOvr>
+    <a:masterClrMapping/>
+  </p:clrMapOvr>
+</p:sld>
+</file>
+
+<file path=ppt/slides/slide5.xml><?xml version="1.0" encoding="utf-8"?>
 <p:sld xmlns:a="http://schemas.openxmlformats.org/drawingml/2006/main" xmlns:r="http://schemas.openxmlformats.org/officeDocument/2006/relationships" xmlns:p="http://schemas.openxmlformats.org/presentationml/2006/main">
   <p:cSld>
     <p:spTree>
@@ -8485,10 +9679,10 @@
       </p:graphicFrame>
       <p:sp>
         <p:nvSpPr>
-          <p:cNvPr id="24" name="Segnaposto numero diapositiva 23">
+          <p:cNvPr id="4" name="Segnaposto numero diapositiva 10">
             <a:extLst>
               <a:ext uri="{FF2B5EF4-FFF2-40B4-BE49-F238E27FC236}">
-                <a16:creationId xmlns:a16="http://schemas.microsoft.com/office/drawing/2014/main" id="{BDA51C3A-A10D-DF3B-5E49-520AB8610F95}"/>
+                <a16:creationId xmlns:a16="http://schemas.microsoft.com/office/drawing/2014/main" id="{10826EDE-B818-6A93-6332-49FB04D8D0F5}"/>
               </a:ext>
             </a:extLst>
           </p:cNvPr>
@@ -8501,7 +9695,7 @@
         </p:nvSpPr>
         <p:spPr>
           <a:xfrm>
-            <a:off x="15896125" y="9543709"/>
+            <a:off x="15773400" y="9639300"/>
             <a:ext cx="2133600" cy="365125"/>
           </a:xfrm>
         </p:spPr>
@@ -8512,9 +9706,9 @@
             <a:fld id="{B6F15528-21DE-4FAA-801E-634DDDAF4B2B}" type="slidenum">
               <a:rPr lang="en-US" smtClean="0"/>
               <a:pPr/>
-              <a:t>4</a:t>
+              <a:t>5</a:t>
             </a:fld>
-            <a:endParaRPr lang="en-US"/>
+            <a:endParaRPr lang="en-US" dirty="0"/>
           </a:p>
         </p:txBody>
       </p:sp>
@@ -8652,7 +9846,7 @@
 </p:sld>
 </file>
 
-<file path=ppt/slides/slide5.xml><?xml version="1.0" encoding="utf-8"?>
+<file path=ppt/slides/slide6.xml><?xml version="1.0" encoding="utf-8"?>
 <p:sld xmlns:a="http://schemas.openxmlformats.org/drawingml/2006/main" xmlns:r="http://schemas.openxmlformats.org/officeDocument/2006/relationships" xmlns:p="http://schemas.openxmlformats.org/presentationml/2006/main">
   <p:cSld>
     <p:spTree>
@@ -9856,10 +11050,10 @@
       </p:grpSp>
       <p:sp>
         <p:nvSpPr>
-          <p:cNvPr id="27" name="Segnaposto numero diapositiva 26">
+          <p:cNvPr id="6" name="Segnaposto numero diapositiva 10">
             <a:extLst>
               <a:ext uri="{FF2B5EF4-FFF2-40B4-BE49-F238E27FC236}">
-                <a16:creationId xmlns:a16="http://schemas.microsoft.com/office/drawing/2014/main" id="{52B38361-AA1C-2403-2153-AEBB44879887}"/>
+                <a16:creationId xmlns:a16="http://schemas.microsoft.com/office/drawing/2014/main" id="{22F928EF-76FC-ACDF-2749-99D259C4348D}"/>
               </a:ext>
             </a:extLst>
           </p:cNvPr>
@@ -9872,7 +11066,7 @@
         </p:nvSpPr>
         <p:spPr>
           <a:xfrm>
-            <a:off x="15764964" y="9543709"/>
+            <a:off x="15773400" y="9639300"/>
             <a:ext cx="2133600" cy="365125"/>
           </a:xfrm>
         </p:spPr>
@@ -9883,9 +11077,9 @@
             <a:fld id="{B6F15528-21DE-4FAA-801E-634DDDAF4B2B}" type="slidenum">
               <a:rPr lang="en-US" smtClean="0"/>
               <a:pPr/>
-              <a:t>5</a:t>
+              <a:t>6</a:t>
             </a:fld>
-            <a:endParaRPr lang="en-US"/>
+            <a:endParaRPr lang="en-US" dirty="0"/>
           </a:p>
         </p:txBody>
       </p:sp>
@@ -10028,7 +11222,7 @@
 </p:sld>
 </file>
 
-<file path=ppt/slides/slide6.xml><?xml version="1.0" encoding="utf-8"?>
+<file path=ppt/slides/slide7.xml><?xml version="1.0" encoding="utf-8"?>
 <p:sld xmlns:a="http://schemas.openxmlformats.org/drawingml/2006/main" xmlns:r="http://schemas.openxmlformats.org/officeDocument/2006/relationships" xmlns:p="http://schemas.openxmlformats.org/presentationml/2006/main">
   <p:cSld>
     <p:spTree>
@@ -11690,10 +12884,10 @@
       </p:sp>
       <p:sp>
         <p:nvSpPr>
-          <p:cNvPr id="36" name="Segnaposto numero diapositiva 35">
+          <p:cNvPr id="6" name="Segnaposto numero diapositiva 10">
             <a:extLst>
               <a:ext uri="{FF2B5EF4-FFF2-40B4-BE49-F238E27FC236}">
-                <a16:creationId xmlns:a16="http://schemas.microsoft.com/office/drawing/2014/main" id="{6901768E-0275-D5E7-A269-2E1B0ACDD7F1}"/>
+                <a16:creationId xmlns:a16="http://schemas.microsoft.com/office/drawing/2014/main" id="{8DBD5571-A445-F6B5-EEE4-90F08DE6DB66}"/>
               </a:ext>
             </a:extLst>
           </p:cNvPr>
@@ -11706,7 +12900,7 @@
         </p:nvSpPr>
         <p:spPr>
           <a:xfrm>
-            <a:off x="15822561" y="9543709"/>
+            <a:off x="15773400" y="9639300"/>
             <a:ext cx="2133600" cy="365125"/>
           </a:xfrm>
         </p:spPr>
@@ -11717,7 +12911,7 @@
             <a:fld id="{B6F15528-21DE-4FAA-801E-634DDDAF4B2B}" type="slidenum">
               <a:rPr lang="en-US" smtClean="0"/>
               <a:pPr/>
-              <a:t>6</a:t>
+              <a:t>7</a:t>
             </a:fld>
             <a:endParaRPr lang="en-US" dirty="0"/>
           </a:p>
@@ -12434,7 +13628,7 @@
 </p:sld>
 </file>
 
-<file path=ppt/slides/slide7.xml><?xml version="1.0" encoding="utf-8"?>
+<file path=ppt/slides/slide8.xml><?xml version="1.0" encoding="utf-8"?>
 <p:sld xmlns:a="http://schemas.openxmlformats.org/drawingml/2006/main" xmlns:r="http://schemas.openxmlformats.org/officeDocument/2006/relationships" xmlns:p="http://schemas.openxmlformats.org/presentationml/2006/main">
   <p:cSld>
     <p:spTree>
@@ -12591,10 +13785,10 @@
       </p:sp>
       <p:sp>
         <p:nvSpPr>
-          <p:cNvPr id="10" name="Segnaposto numero diapositiva 9">
+          <p:cNvPr id="3" name="Segnaposto numero diapositiva 10">
             <a:extLst>
               <a:ext uri="{FF2B5EF4-FFF2-40B4-BE49-F238E27FC236}">
-                <a16:creationId xmlns:a16="http://schemas.microsoft.com/office/drawing/2014/main" id="{6F5E316F-5231-8E40-774B-85AE4417CBF8}"/>
+                <a16:creationId xmlns:a16="http://schemas.microsoft.com/office/drawing/2014/main" id="{EBA40B98-2CDE-F891-718F-058F4AF641BB}"/>
               </a:ext>
             </a:extLst>
           </p:cNvPr>
@@ -12607,7 +13801,7 @@
         </p:nvSpPr>
         <p:spPr>
           <a:xfrm>
-            <a:off x="15697200" y="9537571"/>
+            <a:off x="15773400" y="9639300"/>
             <a:ext cx="2133600" cy="365125"/>
           </a:xfrm>
         </p:spPr>
@@ -12618,9 +13812,9 @@
             <a:fld id="{B6F15528-21DE-4FAA-801E-634DDDAF4B2B}" type="slidenum">
               <a:rPr lang="en-US" smtClean="0"/>
               <a:pPr/>
-              <a:t>7</a:t>
+              <a:t>8</a:t>
             </a:fld>
-            <a:endParaRPr lang="en-US"/>
+            <a:endParaRPr lang="en-US" dirty="0"/>
           </a:p>
         </p:txBody>
       </p:sp>
@@ -12637,7 +13831,7 @@
 </p:sld>
 </file>
 
-<file path=ppt/slides/slide8.xml><?xml version="1.0" encoding="utf-8"?>
+<file path=ppt/slides/slide9.xml><?xml version="1.0" encoding="utf-8"?>
 <p:sld xmlns:a="http://schemas.openxmlformats.org/drawingml/2006/main" xmlns:r="http://schemas.openxmlformats.org/officeDocument/2006/relationships" xmlns:p="http://schemas.openxmlformats.org/presentationml/2006/main">
   <p:cSld>
     <p:spTree>
@@ -12763,7 +13957,7 @@
           <a:bodyPr/>
           <a:lstStyle/>
           <a:p>
-            <a:endParaRPr lang="en-GB"/>
+            <a:endParaRPr lang="en-GB" dirty="0"/>
           </a:p>
         </p:txBody>
       </p:sp>
@@ -13038,12 +14232,114 @@
           </a:p>
         </p:txBody>
       </p:sp>
-      <p:sp>
-        <p:nvSpPr>
-          <p:cNvPr id="11" name="Segnaposto numero diapositiva 10">
+      <mc:AlternateContent xmlns:mc="http://schemas.openxmlformats.org/markup-compatibility/2006" xmlns:p14="http://schemas.microsoft.com/office/powerpoint/2010/main">
+        <mc:Choice Requires="p14">
+          <p:contentPart p14:bwMode="auto" r:id="rId5">
+            <p14:nvContentPartPr>
+              <p14:cNvPr id="10" name="Ink 9">
+                <a:extLst>
+                  <a:ext uri="{FF2B5EF4-FFF2-40B4-BE49-F238E27FC236}">
+                    <a16:creationId xmlns:a16="http://schemas.microsoft.com/office/drawing/2014/main" id="{76F8E251-F932-1DFD-1C98-3EF39B35D02C}"/>
+                  </a:ext>
+                </a:extLst>
+              </p14:cNvPr>
+              <p14:cNvContentPartPr/>
+              <p14:nvPr/>
+            </p14:nvContentPartPr>
+            <p14:xfrm>
+              <a:off x="2841066" y="5485908"/>
+              <a:ext cx="564480" cy="137160"/>
+            </p14:xfrm>
+          </p:contentPart>
+        </mc:Choice>
+        <mc:Fallback xmlns="">
+          <p:pic>
+            <p:nvPicPr>
+              <p:cNvPr id="10" name="Ink 9">
+                <a:extLst>
+                  <a:ext uri="{FF2B5EF4-FFF2-40B4-BE49-F238E27FC236}">
+                    <a16:creationId xmlns:a16="http://schemas.microsoft.com/office/drawing/2014/main" id="{76F8E251-F932-1DFD-1C98-3EF39B35D02C}"/>
+                  </a:ext>
+                </a:extLst>
+              </p:cNvPr>
+              <p:cNvPicPr/>
+              <p:nvPr/>
+            </p:nvPicPr>
+            <p:blipFill>
+              <a:blip r:embed="rId6"/>
+              <a:stretch>
+                <a:fillRect/>
+              </a:stretch>
+            </p:blipFill>
+            <p:spPr>
+              <a:xfrm>
+                <a:off x="2778066" y="5422908"/>
+                <a:ext cx="690120" cy="262800"/>
+              </a:xfrm>
+              <a:prstGeom prst="rect">
+                <a:avLst/>
+              </a:prstGeom>
+            </p:spPr>
+          </p:pic>
+        </mc:Fallback>
+      </mc:AlternateContent>
+      <mc:AlternateContent xmlns:mc="http://schemas.openxmlformats.org/markup-compatibility/2006" xmlns:p14="http://schemas.microsoft.com/office/powerpoint/2010/main">
+        <mc:Choice Requires="p14">
+          <p:contentPart p14:bwMode="auto" r:id="rId7">
+            <p14:nvContentPartPr>
+              <p14:cNvPr id="12" name="Ink 11">
+                <a:extLst>
+                  <a:ext uri="{FF2B5EF4-FFF2-40B4-BE49-F238E27FC236}">
+                    <a16:creationId xmlns:a16="http://schemas.microsoft.com/office/drawing/2014/main" id="{59C0B749-2BCC-87D0-28D3-35A7614BE873}"/>
+                  </a:ext>
+                </a:extLst>
+              </p14:cNvPr>
+              <p14:cNvContentPartPr/>
+              <p14:nvPr/>
+            </p14:nvContentPartPr>
+            <p14:xfrm>
+              <a:off x="2689506" y="5504628"/>
+              <a:ext cx="917640" cy="140760"/>
+            </p14:xfrm>
+          </p:contentPart>
+        </mc:Choice>
+        <mc:Fallback xmlns="">
+          <p:pic>
+            <p:nvPicPr>
+              <p:cNvPr id="12" name="Ink 11">
+                <a:extLst>
+                  <a:ext uri="{FF2B5EF4-FFF2-40B4-BE49-F238E27FC236}">
+                    <a16:creationId xmlns:a16="http://schemas.microsoft.com/office/drawing/2014/main" id="{59C0B749-2BCC-87D0-28D3-35A7614BE873}"/>
+                  </a:ext>
+                </a:extLst>
+              </p:cNvPr>
+              <p:cNvPicPr/>
+              <p:nvPr/>
+            </p:nvPicPr>
+            <p:blipFill>
+              <a:blip r:embed="rId8"/>
+              <a:stretch>
+                <a:fillRect/>
+              </a:stretch>
+            </p:blipFill>
+            <p:spPr>
+              <a:xfrm>
+                <a:off x="2626866" y="5441988"/>
+                <a:ext cx="1043280" cy="266400"/>
+              </a:xfrm>
+              <a:prstGeom prst="rect">
+                <a:avLst/>
+              </a:prstGeom>
+            </p:spPr>
+          </p:pic>
+        </mc:Fallback>
+      </mc:AlternateContent>
+      <p:sp>
+        <p:nvSpPr>
+          <p:cNvPr id="9" name="Segnaposto numero diapositiva 10">
             <a:extLst>
               <a:ext uri="{FF2B5EF4-FFF2-40B4-BE49-F238E27FC236}">
-                <a16:creationId xmlns:a16="http://schemas.microsoft.com/office/drawing/2014/main" id="{15044B08-B3FE-902A-9BA8-5CFAE0ED754B}"/>
+                <a16:creationId xmlns:a16="http://schemas.microsoft.com/office/drawing/2014/main" id="{A4BA8F84-D509-1155-99EB-E20F5BD4349D}"/>
               </a:ext>
             </a:extLst>
           </p:cNvPr>
@@ -13056,7 +14352,7 @@
         </p:nvSpPr>
         <p:spPr>
           <a:xfrm>
-            <a:off x="15590440" y="9732633"/>
+            <a:off x="15773400" y="9639300"/>
             <a:ext cx="2133600" cy="365125"/>
           </a:xfrm>
         </p:spPr>
@@ -13067,7 +14363,7 @@
             <a:fld id="{B6F15528-21DE-4FAA-801E-634DDDAF4B2B}" type="slidenum">
               <a:rPr lang="en-US" smtClean="0"/>
               <a:pPr/>
-              <a:t>8</a:t>
+              <a:t>9</a:t>
             </a:fld>
             <a:endParaRPr lang="en-US" dirty="0"/>
           </a:p>
@@ -13078,837 +14374,6 @@
   <p:clrMapOvr>
     <a:masterClrMapping/>
   </p:clrMapOvr>
-</p:sld>
-</file>
-
-<file path=ppt/slides/slide9.xml><?xml version="1.0" encoding="utf-8"?>
-<p:sld xmlns:a="http://schemas.openxmlformats.org/drawingml/2006/main" xmlns:r="http://schemas.openxmlformats.org/officeDocument/2006/relationships" xmlns:p="http://schemas.openxmlformats.org/presentationml/2006/main">
-  <p:cSld>
-    <p:spTree>
-      <p:nvGrpSpPr>
-        <p:cNvPr id="1" name=""/>
-        <p:cNvGrpSpPr/>
-        <p:nvPr/>
-      </p:nvGrpSpPr>
-      <p:grpSpPr>
-        <a:xfrm>
-          <a:off x="0" y="0"/>
-          <a:ext cx="0" cy="0"/>
-          <a:chOff x="0" y="0"/>
-          <a:chExt cx="0" cy="0"/>
-        </a:xfrm>
-      </p:grpSpPr>
-      <p:sp>
-        <p:nvSpPr>
-          <p:cNvPr id="2" name="Freeform 4">
-            <a:extLst>
-              <a:ext uri="{FF2B5EF4-FFF2-40B4-BE49-F238E27FC236}">
-                <a16:creationId xmlns:a16="http://schemas.microsoft.com/office/drawing/2014/main" id="{ECDBE907-4A42-5479-9B25-C7DF989CA29A}"/>
-              </a:ext>
-            </a:extLst>
-          </p:cNvPr>
-          <p:cNvSpPr/>
-          <p:nvPr/>
-        </p:nvSpPr>
-        <p:spPr>
-          <a:xfrm rot="12606587">
-            <a:off x="-2362539" y="5861562"/>
-            <a:ext cx="9495369" cy="7717145"/>
-          </a:xfrm>
-          <a:custGeom>
-            <a:avLst/>
-            <a:gdLst/>
-            <a:ahLst/>
-            <a:cxnLst/>
-            <a:rect l="l" t="t" r="r" b="b"/>
-            <a:pathLst>
-              <a:path w="9495369" h="7717145">
-                <a:moveTo>
-                  <a:pt x="0" y="0"/>
-                </a:moveTo>
-                <a:lnTo>
-                  <a:pt x="9495369" y="0"/>
-                </a:lnTo>
-                <a:lnTo>
-                  <a:pt x="9495369" y="7717145"/>
-                </a:lnTo>
-                <a:lnTo>
-                  <a:pt x="0" y="7717145"/>
-                </a:lnTo>
-                <a:lnTo>
-                  <a:pt x="0" y="0"/>
-                </a:lnTo>
-                <a:close/>
-              </a:path>
-            </a:pathLst>
-          </a:custGeom>
-          <a:blipFill>
-            <a:blip r:embed="rId2">
-              <a:alphaModFix amt="50000"/>
-              <a:extLst>
-                <a:ext uri="{96DAC541-7B7A-43D3-8B79-37D633B846F1}">
-                  <asvg:svgBlip xmlns:asvg="http://schemas.microsoft.com/office/drawing/2016/SVG/main" r:embed="rId3"/>
-                </a:ext>
-              </a:extLst>
-            </a:blip>
-            <a:stretch>
-              <a:fillRect/>
-            </a:stretch>
-          </a:blipFill>
-        </p:spPr>
-        <p:txBody>
-          <a:bodyPr/>
-          <a:lstStyle/>
-          <a:p>
-            <a:endParaRPr lang="en-GB"/>
-          </a:p>
-        </p:txBody>
-      </p:sp>
-      <p:sp>
-        <p:nvSpPr>
-          <p:cNvPr id="3" name="Rettangolo 2">
-            <a:extLst>
-              <a:ext uri="{FF2B5EF4-FFF2-40B4-BE49-F238E27FC236}">
-                <a16:creationId xmlns:a16="http://schemas.microsoft.com/office/drawing/2014/main" id="{32D734E8-BF26-AACE-3F5E-92B6EEDADFCB}"/>
-              </a:ext>
-            </a:extLst>
-          </p:cNvPr>
-          <p:cNvSpPr/>
-          <p:nvPr/>
-        </p:nvSpPr>
-        <p:spPr>
-          <a:xfrm>
-            <a:off x="9144000" y="404812"/>
-            <a:ext cx="76200" cy="9677400"/>
-          </a:xfrm>
-          <a:prstGeom prst="rect">
-            <a:avLst/>
-          </a:prstGeom>
-        </p:spPr>
-        <p:style>
-          <a:lnRef idx="2">
-            <a:schemeClr val="accent1">
-              <a:shade val="15000"/>
-            </a:schemeClr>
-          </a:lnRef>
-          <a:fillRef idx="1">
-            <a:schemeClr val="accent1"/>
-          </a:fillRef>
-          <a:effectRef idx="0">
-            <a:schemeClr val="accent1"/>
-          </a:effectRef>
-          <a:fontRef idx="minor">
-            <a:schemeClr val="lt1"/>
-          </a:fontRef>
-        </p:style>
-        <p:txBody>
-          <a:bodyPr rtlCol="0" anchor="ctr"/>
-          <a:lstStyle/>
-          <a:p>
-            <a:pPr algn="ctr"/>
-            <a:endParaRPr lang="it-IT"/>
-          </a:p>
-        </p:txBody>
-      </p:sp>
-      <p:sp>
-        <p:nvSpPr>
-          <p:cNvPr id="6" name="Rettangolo 5">
-            <a:extLst>
-              <a:ext uri="{FF2B5EF4-FFF2-40B4-BE49-F238E27FC236}">
-                <a16:creationId xmlns:a16="http://schemas.microsoft.com/office/drawing/2014/main" id="{B3AD9E5F-AA00-EBC9-10A9-E9286209FA34}"/>
-              </a:ext>
-            </a:extLst>
-          </p:cNvPr>
-          <p:cNvSpPr/>
-          <p:nvPr/>
-        </p:nvSpPr>
-        <p:spPr>
-          <a:xfrm>
-            <a:off x="3276600" y="1714500"/>
-            <a:ext cx="11811000" cy="76200"/>
-          </a:xfrm>
-          <a:prstGeom prst="rect">
-            <a:avLst/>
-          </a:prstGeom>
-        </p:spPr>
-        <p:style>
-          <a:lnRef idx="2">
-            <a:schemeClr val="accent1">
-              <a:shade val="15000"/>
-            </a:schemeClr>
-          </a:lnRef>
-          <a:fillRef idx="1">
-            <a:schemeClr val="accent1"/>
-          </a:fillRef>
-          <a:effectRef idx="0">
-            <a:schemeClr val="accent1"/>
-          </a:effectRef>
-          <a:fontRef idx="minor">
-            <a:schemeClr val="lt1"/>
-          </a:fontRef>
-        </p:style>
-        <p:txBody>
-          <a:bodyPr rtlCol="0" anchor="ctr"/>
-          <a:lstStyle/>
-          <a:p>
-            <a:pPr algn="ctr"/>
-            <a:endParaRPr lang="it-IT"/>
-          </a:p>
-        </p:txBody>
-      </p:sp>
-      <p:sp>
-        <p:nvSpPr>
-          <p:cNvPr id="10" name="CasellaDiTesto 9">
-            <a:extLst>
-              <a:ext uri="{FF2B5EF4-FFF2-40B4-BE49-F238E27FC236}">
-                <a16:creationId xmlns:a16="http://schemas.microsoft.com/office/drawing/2014/main" id="{1A083AB9-B62D-F3C7-8281-71E622ACDF3E}"/>
-              </a:ext>
-            </a:extLst>
-          </p:cNvPr>
-          <p:cNvSpPr txBox="1"/>
-          <p:nvPr/>
-        </p:nvSpPr>
-        <p:spPr>
-          <a:xfrm>
-            <a:off x="3962400" y="450696"/>
-            <a:ext cx="4191000" cy="1262012"/>
-          </a:xfrm>
-          <a:prstGeom prst="rect">
-            <a:avLst/>
-          </a:prstGeom>
-          <a:noFill/>
-        </p:spPr>
-        <p:txBody>
-          <a:bodyPr wrap="square">
-            <a:spAutoFit/>
-          </a:bodyPr>
-          <a:lstStyle/>
-          <a:p>
-            <a:pPr marL="0" marR="0" lvl="0" indent="0" algn="l" defTabSz="914400" rtl="0" eaLnBrk="1" fontAlgn="auto" latinLnBrk="0" hangingPunct="1">
-              <a:lnSpc>
-                <a:spcPts val="9000"/>
-              </a:lnSpc>
-              <a:spcBef>
-                <a:spcPts val="0"/>
-              </a:spcBef>
-              <a:spcAft>
-                <a:spcPts val="0"/>
-              </a:spcAft>
-              <a:buClrTx/>
-              <a:buSzTx/>
-              <a:buFontTx/>
-              <a:buNone/>
-              <a:tabLst/>
-              <a:defRPr/>
-            </a:pPr>
-            <a:r>
-              <a:rPr kumimoji="0" lang="en-US" sz="9000" b="0" i="0" u="none" strike="noStrike" kern="1200" cap="none" spc="0" normalizeH="0" baseline="0" noProof="0" dirty="0">
-                <a:ln>
-                  <a:noFill/>
-                </a:ln>
-                <a:solidFill>
-                  <a:srgbClr val="004AAD"/>
-                </a:solidFill>
-                <a:effectLst/>
-                <a:uLnTx/>
-                <a:uFillTx/>
-                <a:latin typeface="Arial Black" panose="020B0A04020102020204" pitchFamily="34" charset="0"/>
-              </a:rPr>
-              <a:t>INPUT</a:t>
-            </a:r>
-          </a:p>
-        </p:txBody>
-      </p:sp>
-      <p:sp>
-        <p:nvSpPr>
-          <p:cNvPr id="12" name="CasellaDiTesto 11">
-            <a:extLst>
-              <a:ext uri="{FF2B5EF4-FFF2-40B4-BE49-F238E27FC236}">
-                <a16:creationId xmlns:a16="http://schemas.microsoft.com/office/drawing/2014/main" id="{C20BF23C-78C2-D303-788B-91CD60F058FC}"/>
-              </a:ext>
-            </a:extLst>
-          </p:cNvPr>
-          <p:cNvSpPr txBox="1"/>
-          <p:nvPr/>
-        </p:nvSpPr>
-        <p:spPr>
-          <a:xfrm>
-            <a:off x="10182224" y="404812"/>
-            <a:ext cx="5591175" cy="1262012"/>
-          </a:xfrm>
-          <a:prstGeom prst="rect">
-            <a:avLst/>
-          </a:prstGeom>
-          <a:noFill/>
-        </p:spPr>
-        <p:txBody>
-          <a:bodyPr wrap="square">
-            <a:spAutoFit/>
-          </a:bodyPr>
-          <a:lstStyle/>
-          <a:p>
-            <a:pPr marL="0" marR="0" lvl="0" indent="0" algn="l" defTabSz="914400" rtl="0" eaLnBrk="1" fontAlgn="auto" latinLnBrk="0" hangingPunct="1">
-              <a:lnSpc>
-                <a:spcPts val="9000"/>
-              </a:lnSpc>
-              <a:spcBef>
-                <a:spcPts val="0"/>
-              </a:spcBef>
-              <a:spcAft>
-                <a:spcPts val="0"/>
-              </a:spcAft>
-              <a:buClrTx/>
-              <a:buSzTx/>
-              <a:buFontTx/>
-              <a:buNone/>
-              <a:tabLst/>
-              <a:defRPr/>
-            </a:pPr>
-            <a:r>
-              <a:rPr kumimoji="0" lang="en-US" sz="9000" b="0" i="0" u="none" strike="noStrike" kern="1200" cap="none" spc="0" normalizeH="0" baseline="0" noProof="0" dirty="0">
-                <a:ln>
-                  <a:noFill/>
-                </a:ln>
-                <a:solidFill>
-                  <a:srgbClr val="004AAD"/>
-                </a:solidFill>
-                <a:effectLst/>
-                <a:uLnTx/>
-                <a:uFillTx/>
-                <a:latin typeface="Arial Black" panose="020B0A04020102020204" pitchFamily="34" charset="0"/>
-              </a:rPr>
-              <a:t>OUTPUT</a:t>
-            </a:r>
-          </a:p>
-        </p:txBody>
-      </p:sp>
-      <p:sp>
-        <p:nvSpPr>
-          <p:cNvPr id="14" name="CasellaDiTesto 13">
-            <a:extLst>
-              <a:ext uri="{FF2B5EF4-FFF2-40B4-BE49-F238E27FC236}">
-                <a16:creationId xmlns:a16="http://schemas.microsoft.com/office/drawing/2014/main" id="{8311183F-A196-D02A-E4EE-CCFC63C10446}"/>
-              </a:ext>
-            </a:extLst>
-          </p:cNvPr>
-          <p:cNvSpPr txBox="1"/>
-          <p:nvPr/>
-        </p:nvSpPr>
-        <p:spPr>
-          <a:xfrm>
-            <a:off x="2895600" y="2720666"/>
-            <a:ext cx="6248400" cy="1262012"/>
-          </a:xfrm>
-          <a:prstGeom prst="rect">
-            <a:avLst/>
-          </a:prstGeom>
-          <a:noFill/>
-        </p:spPr>
-        <p:txBody>
-          <a:bodyPr wrap="square">
-            <a:spAutoFit/>
-          </a:bodyPr>
-          <a:lstStyle/>
-          <a:p>
-            <a:pPr marL="0" marR="0" lvl="0" indent="0" algn="l" defTabSz="914400" rtl="0" eaLnBrk="1" fontAlgn="auto" latinLnBrk="0" hangingPunct="1">
-              <a:lnSpc>
-                <a:spcPts val="9000"/>
-              </a:lnSpc>
-              <a:spcBef>
-                <a:spcPts val="0"/>
-              </a:spcBef>
-              <a:spcAft>
-                <a:spcPts val="0"/>
-              </a:spcAft>
-              <a:buClrTx/>
-              <a:buSzTx/>
-              <a:buFontTx/>
-              <a:buNone/>
-              <a:tabLst/>
-              <a:defRPr/>
-            </a:pPr>
-            <a:r>
-              <a:rPr kumimoji="0" lang="en-US" sz="9000" b="0" i="0" u="none" strike="noStrike" kern="1200" cap="none" spc="0" normalizeH="0" baseline="0" noProof="0" dirty="0">
-                <a:ln>
-                  <a:noFill/>
-                </a:ln>
-                <a:solidFill>
-                  <a:srgbClr val="004AAD"/>
-                </a:solidFill>
-                <a:effectLst/>
-                <a:uLnTx/>
-                <a:uFillTx/>
-                <a:latin typeface="Arial Black" panose="020B0A04020102020204" pitchFamily="34" charset="0"/>
-              </a:rPr>
-              <a:t>PATTERN</a:t>
-            </a:r>
-          </a:p>
-        </p:txBody>
-      </p:sp>
-      <p:sp>
-        <p:nvSpPr>
-          <p:cNvPr id="16" name="CasellaDiTesto 15">
-            <a:extLst>
-              <a:ext uri="{FF2B5EF4-FFF2-40B4-BE49-F238E27FC236}">
-                <a16:creationId xmlns:a16="http://schemas.microsoft.com/office/drawing/2014/main" id="{C0543D85-9C88-4250-034F-2DD48A82B1A7}"/>
-              </a:ext>
-            </a:extLst>
-          </p:cNvPr>
-          <p:cNvSpPr txBox="1"/>
-          <p:nvPr/>
-        </p:nvSpPr>
-        <p:spPr>
-          <a:xfrm>
-            <a:off x="5444207" y="4273879"/>
-            <a:ext cx="3733800" cy="1262012"/>
-          </a:xfrm>
-          <a:prstGeom prst="rect">
-            <a:avLst/>
-          </a:prstGeom>
-          <a:noFill/>
-        </p:spPr>
-        <p:txBody>
-          <a:bodyPr wrap="square">
-            <a:spAutoFit/>
-          </a:bodyPr>
-          <a:lstStyle/>
-          <a:p>
-            <a:pPr marL="0" marR="0" lvl="0" indent="0" algn="l" defTabSz="914400" rtl="0" eaLnBrk="1" fontAlgn="auto" latinLnBrk="0" hangingPunct="1">
-              <a:lnSpc>
-                <a:spcPts val="9000"/>
-              </a:lnSpc>
-              <a:spcBef>
-                <a:spcPts val="0"/>
-              </a:spcBef>
-              <a:spcAft>
-                <a:spcPts val="0"/>
-              </a:spcAft>
-              <a:buClrTx/>
-              <a:buSzTx/>
-              <a:buFontTx/>
-              <a:buNone/>
-              <a:tabLst/>
-              <a:defRPr/>
-            </a:pPr>
-            <a:r>
-              <a:rPr kumimoji="0" lang="en-US" sz="9000" b="0" i="0" u="none" strike="noStrike" kern="1200" cap="none" spc="0" normalizeH="0" baseline="0" noProof="0" dirty="0">
-                <a:ln>
-                  <a:noFill/>
-                </a:ln>
-                <a:solidFill>
-                  <a:srgbClr val="004AAD"/>
-                </a:solidFill>
-                <a:effectLst/>
-                <a:uLnTx/>
-                <a:uFillTx/>
-                <a:latin typeface="Arial Black" panose="020B0A04020102020204" pitchFamily="34" charset="0"/>
-              </a:rPr>
-              <a:t>DATA</a:t>
-            </a:r>
-          </a:p>
-        </p:txBody>
-      </p:sp>
-      <p:sp>
-        <p:nvSpPr>
-          <p:cNvPr id="18" name="CasellaDiTesto 17">
-            <a:extLst>
-              <a:ext uri="{FF2B5EF4-FFF2-40B4-BE49-F238E27FC236}">
-                <a16:creationId xmlns:a16="http://schemas.microsoft.com/office/drawing/2014/main" id="{BF240115-4AD9-26FF-CB61-A36E44003AF8}"/>
-              </a:ext>
-            </a:extLst>
-          </p:cNvPr>
-          <p:cNvSpPr txBox="1"/>
-          <p:nvPr/>
-        </p:nvSpPr>
-        <p:spPr>
-          <a:xfrm>
-            <a:off x="9272587" y="6134100"/>
-            <a:ext cx="11987213" cy="1180901"/>
-          </a:xfrm>
-          <a:prstGeom prst="rect">
-            <a:avLst/>
-          </a:prstGeom>
-          <a:noFill/>
-        </p:spPr>
-        <p:txBody>
-          <a:bodyPr wrap="square">
-            <a:spAutoFit/>
-          </a:bodyPr>
-          <a:lstStyle/>
-          <a:p>
-            <a:pPr marL="0" marR="0" lvl="0" indent="0" algn="l" defTabSz="914400" rtl="0" eaLnBrk="1" fontAlgn="auto" latinLnBrk="0" hangingPunct="1">
-              <a:lnSpc>
-                <a:spcPts val="9000"/>
-              </a:lnSpc>
-              <a:spcBef>
-                <a:spcPts val="0"/>
-              </a:spcBef>
-              <a:spcAft>
-                <a:spcPts val="0"/>
-              </a:spcAft>
-              <a:buClrTx/>
-              <a:buSzTx/>
-              <a:buFontTx/>
-              <a:buNone/>
-              <a:tabLst/>
-              <a:defRPr/>
-            </a:pPr>
-            <a:r>
-              <a:rPr kumimoji="0" lang="en-US" sz="6000" b="0" i="0" u="none" strike="noStrike" kern="1200" cap="none" spc="0" normalizeH="0" baseline="0" noProof="0" dirty="0">
-                <a:ln>
-                  <a:noFill/>
-                </a:ln>
-                <a:solidFill>
-                  <a:srgbClr val="004AAD"/>
-                </a:solidFill>
-                <a:effectLst/>
-                <a:uLnTx/>
-                <a:uFillTx/>
-                <a:latin typeface="Arial Black" panose="020B0A04020102020204" pitchFamily="34" charset="0"/>
-              </a:rPr>
-              <a:t>FOUND/NOT FOUND</a:t>
-            </a:r>
-          </a:p>
-        </p:txBody>
-      </p:sp>
-      <p:sp>
-        <p:nvSpPr>
-          <p:cNvPr id="20" name="CasellaDiTesto 19">
-            <a:extLst>
-              <a:ext uri="{FF2B5EF4-FFF2-40B4-BE49-F238E27FC236}">
-                <a16:creationId xmlns:a16="http://schemas.microsoft.com/office/drawing/2014/main" id="{5EA45DA7-EB28-0A7F-A74A-794E60B5226C}"/>
-              </a:ext>
-            </a:extLst>
-          </p:cNvPr>
-          <p:cNvSpPr txBox="1"/>
-          <p:nvPr/>
-        </p:nvSpPr>
-        <p:spPr>
-          <a:xfrm>
-            <a:off x="9302084" y="7734300"/>
-            <a:ext cx="12462386" cy="1262012"/>
-          </a:xfrm>
-          <a:prstGeom prst="rect">
-            <a:avLst/>
-          </a:prstGeom>
-          <a:noFill/>
-        </p:spPr>
-        <p:txBody>
-          <a:bodyPr wrap="square">
-            <a:spAutoFit/>
-          </a:bodyPr>
-          <a:lstStyle/>
-          <a:p>
-            <a:pPr marL="0" marR="0" lvl="0" indent="0" algn="l" defTabSz="914400" rtl="0" eaLnBrk="1" fontAlgn="auto" latinLnBrk="0" hangingPunct="1">
-              <a:lnSpc>
-                <a:spcPts val="9000"/>
-              </a:lnSpc>
-              <a:spcBef>
-                <a:spcPts val="0"/>
-              </a:spcBef>
-              <a:spcAft>
-                <a:spcPts val="0"/>
-              </a:spcAft>
-              <a:buClrTx/>
-              <a:buSzTx/>
-              <a:buFontTx/>
-              <a:buNone/>
-              <a:tabLst/>
-              <a:defRPr/>
-            </a:pPr>
-            <a:r>
-              <a:rPr kumimoji="0" lang="en-US" sz="9000" b="0" i="0" u="none" strike="noStrike" kern="1200" cap="none" spc="0" normalizeH="0" baseline="0" noProof="0" dirty="0">
-                <a:ln>
-                  <a:noFill/>
-                </a:ln>
-                <a:solidFill>
-                  <a:srgbClr val="004AAD"/>
-                </a:solidFill>
-                <a:effectLst/>
-                <a:uLnTx/>
-                <a:uFillTx/>
-                <a:latin typeface="Arial Black" panose="020B0A04020102020204" pitchFamily="34" charset="0"/>
-              </a:rPr>
-              <a:t>POSITION</a:t>
-            </a:r>
-          </a:p>
-        </p:txBody>
-      </p:sp>
-      <p:sp>
-        <p:nvSpPr>
-          <p:cNvPr id="23" name="Segnaposto numero diapositiva 22">
-            <a:extLst>
-              <a:ext uri="{FF2B5EF4-FFF2-40B4-BE49-F238E27FC236}">
-                <a16:creationId xmlns:a16="http://schemas.microsoft.com/office/drawing/2014/main" id="{EBA71859-A534-44F8-7DE1-F44A2B436998}"/>
-              </a:ext>
-            </a:extLst>
-          </p:cNvPr>
-          <p:cNvSpPr>
-            <a:spLocks noGrp="1"/>
-          </p:cNvSpPr>
-          <p:nvPr>
-            <p:ph type="sldNum" sz="quarter" idx="12"/>
-          </p:nvPr>
-        </p:nvSpPr>
-        <p:spPr>
-          <a:xfrm>
-            <a:off x="15575064" y="9537571"/>
-            <a:ext cx="2133600" cy="365125"/>
-          </a:xfrm>
-        </p:spPr>
-        <p:txBody>
-          <a:bodyPr/>
-          <a:lstStyle/>
-          <a:p>
-            <a:fld id="{B6F15528-21DE-4FAA-801E-634DDDAF4B2B}" type="slidenum">
-              <a:rPr lang="en-US" smtClean="0"/>
-              <a:pPr/>
-              <a:t>9</a:t>
-            </a:fld>
-            <a:endParaRPr lang="en-US"/>
-          </a:p>
-        </p:txBody>
-      </p:sp>
-    </p:spTree>
-    <p:extLst>
-      <p:ext uri="{BB962C8B-B14F-4D97-AF65-F5344CB8AC3E}">
-        <p14:creationId xmlns:p14="http://schemas.microsoft.com/office/powerpoint/2010/main" val="3362444051"/>
-      </p:ext>
-    </p:extLst>
-  </p:cSld>
-  <p:clrMapOvr>
-    <a:masterClrMapping/>
-  </p:clrMapOvr>
-  <p:timing>
-    <p:tnLst>
-      <p:par>
-        <p:cTn id="1" dur="indefinite" restart="never" nodeType="tmRoot">
-          <p:childTnLst>
-            <p:seq concurrent="1" nextAc="seek">
-              <p:cTn id="2" dur="indefinite" nodeType="mainSeq">
-                <p:childTnLst>
-                  <p:par>
-                    <p:cTn id="3" fill="hold">
-                      <p:stCondLst>
-                        <p:cond delay="indefinite"/>
-                      </p:stCondLst>
-                      <p:childTnLst>
-                        <p:par>
-                          <p:cTn id="4" fill="hold">
-                            <p:stCondLst>
-                              <p:cond delay="0"/>
-                            </p:stCondLst>
-                            <p:childTnLst>
-                              <p:par>
-                                <p:cTn id="5" presetID="22" presetClass="entr" presetSubtype="4" fill="hold" grpId="0" nodeType="clickEffect">
-                                  <p:stCondLst>
-                                    <p:cond delay="0"/>
-                                  </p:stCondLst>
-                                  <p:childTnLst>
-                                    <p:set>
-                                      <p:cBhvr>
-                                        <p:cTn id="6" dur="1" fill="hold">
-                                          <p:stCondLst>
-                                            <p:cond delay="0"/>
-                                          </p:stCondLst>
-                                        </p:cTn>
-                                        <p:tgtEl>
-                                          <p:spTgt spid="16"/>
-                                        </p:tgtEl>
-                                        <p:attrNameLst>
-                                          <p:attrName>style.visibility</p:attrName>
-                                        </p:attrNameLst>
-                                      </p:cBhvr>
-                                      <p:to>
-                                        <p:strVal val="visible"/>
-                                      </p:to>
-                                    </p:set>
-                                    <p:animEffect transition="in" filter="wipe(down)">
-                                      <p:cBhvr>
-                                        <p:cTn id="7" dur="500"/>
-                                        <p:tgtEl>
-                                          <p:spTgt spid="16"/>
-                                        </p:tgtEl>
-                                      </p:cBhvr>
-                                    </p:animEffect>
-                                  </p:childTnLst>
-                                </p:cTn>
-                              </p:par>
-                              <p:par>
-                                <p:cTn id="8" presetID="22" presetClass="entr" presetSubtype="4" fill="hold" grpId="0" nodeType="withEffect">
-                                  <p:stCondLst>
-                                    <p:cond delay="0"/>
-                                  </p:stCondLst>
-                                  <p:childTnLst>
-                                    <p:set>
-                                      <p:cBhvr>
-                                        <p:cTn id="9" dur="1" fill="hold">
-                                          <p:stCondLst>
-                                            <p:cond delay="0"/>
-                                          </p:stCondLst>
-                                        </p:cTn>
-                                        <p:tgtEl>
-                                          <p:spTgt spid="14"/>
-                                        </p:tgtEl>
-                                        <p:attrNameLst>
-                                          <p:attrName>style.visibility</p:attrName>
-                                        </p:attrNameLst>
-                                      </p:cBhvr>
-                                      <p:to>
-                                        <p:strVal val="visible"/>
-                                      </p:to>
-                                    </p:set>
-                                    <p:animEffect transition="in" filter="wipe(down)">
-                                      <p:cBhvr>
-                                        <p:cTn id="10" dur="500"/>
-                                        <p:tgtEl>
-                                          <p:spTgt spid="14"/>
-                                        </p:tgtEl>
-                                      </p:cBhvr>
-                                    </p:animEffect>
-                                  </p:childTnLst>
-                                </p:cTn>
-                              </p:par>
-                            </p:childTnLst>
-                          </p:cTn>
-                        </p:par>
-                      </p:childTnLst>
-                    </p:cTn>
-                  </p:par>
-                  <p:par>
-                    <p:cTn id="11" fill="hold">
-                      <p:stCondLst>
-                        <p:cond delay="indefinite"/>
-                      </p:stCondLst>
-                      <p:childTnLst>
-                        <p:par>
-                          <p:cTn id="12" fill="hold">
-                            <p:stCondLst>
-                              <p:cond delay="0"/>
-                            </p:stCondLst>
-                            <p:childTnLst>
-                              <p:par>
-                                <p:cTn id="13" presetID="22" presetClass="entr" presetSubtype="4" fill="hold" grpId="0" nodeType="clickEffect">
-                                  <p:stCondLst>
-                                    <p:cond delay="0"/>
-                                  </p:stCondLst>
-                                  <p:childTnLst>
-                                    <p:set>
-                                      <p:cBhvr>
-                                        <p:cTn id="14" dur="1" fill="hold">
-                                          <p:stCondLst>
-                                            <p:cond delay="0"/>
-                                          </p:stCondLst>
-                                        </p:cTn>
-                                        <p:tgtEl>
-                                          <p:spTgt spid="18"/>
-                                        </p:tgtEl>
-                                        <p:attrNameLst>
-                                          <p:attrName>style.visibility</p:attrName>
-                                        </p:attrNameLst>
-                                      </p:cBhvr>
-                                      <p:to>
-                                        <p:strVal val="visible"/>
-                                      </p:to>
-                                    </p:set>
-                                    <p:animEffect transition="in" filter="wipe(down)">
-                                      <p:cBhvr>
-                                        <p:cTn id="15" dur="500"/>
-                                        <p:tgtEl>
-                                          <p:spTgt spid="18"/>
-                                        </p:tgtEl>
-                                      </p:cBhvr>
-                                    </p:animEffect>
-                                  </p:childTnLst>
-                                </p:cTn>
-                              </p:par>
-                            </p:childTnLst>
-                          </p:cTn>
-                        </p:par>
-                      </p:childTnLst>
-                    </p:cTn>
-                  </p:par>
-                  <p:par>
-                    <p:cTn id="16" fill="hold">
-                      <p:stCondLst>
-                        <p:cond delay="indefinite"/>
-                      </p:stCondLst>
-                      <p:childTnLst>
-                        <p:par>
-                          <p:cTn id="17" fill="hold">
-                            <p:stCondLst>
-                              <p:cond delay="0"/>
-                            </p:stCondLst>
-                            <p:childTnLst>
-                              <p:par>
-                                <p:cTn id="18" presetID="22" presetClass="entr" presetSubtype="4" fill="hold" grpId="0" nodeType="clickEffect">
-                                  <p:stCondLst>
-                                    <p:cond delay="0"/>
-                                  </p:stCondLst>
-                                  <p:childTnLst>
-                                    <p:set>
-                                      <p:cBhvr>
-                                        <p:cTn id="19" dur="1" fill="hold">
-                                          <p:stCondLst>
-                                            <p:cond delay="0"/>
-                                          </p:stCondLst>
-                                        </p:cTn>
-                                        <p:tgtEl>
-                                          <p:spTgt spid="20"/>
-                                        </p:tgtEl>
-                                        <p:attrNameLst>
-                                          <p:attrName>style.visibility</p:attrName>
-                                        </p:attrNameLst>
-                                      </p:cBhvr>
-                                      <p:to>
-                                        <p:strVal val="visible"/>
-                                      </p:to>
-                                    </p:set>
-                                    <p:animEffect transition="in" filter="wipe(down)">
-                                      <p:cBhvr>
-                                        <p:cTn id="20" dur="500"/>
-                                        <p:tgtEl>
-                                          <p:spTgt spid="20"/>
-                                        </p:tgtEl>
-                                      </p:cBhvr>
-                                    </p:animEffect>
-                                  </p:childTnLst>
-                                </p:cTn>
-                              </p:par>
-                            </p:childTnLst>
-                          </p:cTn>
-                        </p:par>
-                      </p:childTnLst>
-                    </p:cTn>
-                  </p:par>
-                </p:childTnLst>
-              </p:cTn>
-              <p:prevCondLst>
-                <p:cond evt="onPrev" delay="0">
-                  <p:tgtEl>
-                    <p:sldTgt/>
-                  </p:tgtEl>
-                </p:cond>
-              </p:prevCondLst>
-              <p:nextCondLst>
-                <p:cond evt="onNext" delay="0">
-                  <p:tgtEl>
-                    <p:sldTgt/>
-                  </p:tgtEl>
-                </p:cond>
-              </p:nextCondLst>
-            </p:seq>
-          </p:childTnLst>
-        </p:cTn>
-      </p:par>
-    </p:tnLst>
-    <p:bldLst>
-      <p:bldP spid="14" grpId="0"/>
-      <p:bldP spid="16" grpId="0"/>
-      <p:bldP spid="18" grpId="0"/>
-      <p:bldP spid="20" grpId="0"/>
-    </p:bldLst>
-  </p:timing>
 </p:sld>
 </file>
 
